--- a/Documents/FINAL/ProCp-Project-Core-phase -without some slides.pptx
+++ b/Documents/FINAL/ProCp-Project-Core-phase -without some slides.pptx
@@ -14,7 +14,7 @@
     <p:sldId id="274" r:id="rId5"/>
     <p:sldId id="276" r:id="rId6"/>
     <p:sldId id="267" r:id="rId7"/>
-    <p:sldId id="277" r:id="rId8"/>
+    <p:sldId id="278" r:id="rId8"/>
   </p:sldIdLst>
   <p:sldSz cx="12192000" cy="6858000"/>
   <p:notesSz cx="6858000" cy="9144000"/>
@@ -13648,7 +13648,7 @@
             <a:pPr algn="ctr"/>
             <a:r>
               <a:rPr lang="en-US" sz="4000" dirty="0"/>
-              <a:t>F … </a:t>
+              <a:t>Benefits</a:t>
             </a:r>
           </a:p>
         </p:txBody>
@@ -13669,6 +13669,37 @@
             <a:normAutofit/>
           </a:bodyPr>
           <a:lstStyle/>
+          <a:p>
+            <a:r>
+              <a:rPr lang="en-US" dirty="0"/>
+              <a:t>Efficiently using water resources</a:t>
+            </a:r>
+          </a:p>
+          <a:p>
+            <a:r>
+              <a:rPr lang="en-US" dirty="0"/>
+              <a:t>Efficiently using fertilizer</a:t>
+            </a:r>
+          </a:p>
+          <a:p>
+            <a:r>
+              <a:rPr lang="en-US" dirty="0"/>
+              <a:t>Efficiently using arable land</a:t>
+            </a:r>
+          </a:p>
+          <a:p>
+            <a:r>
+              <a:rPr lang="en-US" dirty="0"/>
+              <a:t>Minimizing harvesting cost</a:t>
+            </a:r>
+          </a:p>
+          <a:p>
+            <a:r>
+              <a:rPr lang="en-US" dirty="0"/>
+              <a:t>Maximizing profit</a:t>
+            </a:r>
+            <a:endParaRPr lang="en-US" dirty="0"/>
+          </a:p>
           <a:p>
             <a:endParaRPr lang="en-US" dirty="0"/>
           </a:p>
@@ -14218,6 +14249,445 @@
       </p:grpSpPr>
       <p:sp>
         <p:nvSpPr>
+          <p:cNvPr id="18" name="Rectangle 5"/>
+          <p:cNvSpPr>
+            <a:spLocks noGrp="1" noRot="1" noChangeAspect="1" noMove="1" noResize="1" noEditPoints="1" noAdjustHandles="1" noChangeArrowheads="1" noChangeShapeType="1" noTextEdit="1"/>
+          </p:cNvSpPr>
+          <p:nvPr>
+            <p:extLst>
+              <p:ext uri="{386F3935-93C4-4BCD-93E2-E3B085C9AB24}">
+                <p16:designElem xmlns:p16="http://schemas.microsoft.com/office/powerpoint/2015/main" val="1"/>
+              </p:ext>
+            </p:extLst>
+          </p:nvPr>
+        </p:nvSpPr>
+        <p:spPr bwMode="white">
+          <a:xfrm>
+            <a:off x="0" y="0"/>
+            <a:ext cx="12192000" cy="6858000"/>
+          </a:xfrm>
+          <a:prstGeom prst="rect">
+            <a:avLst/>
+          </a:prstGeom>
+          <a:solidFill>
+            <a:schemeClr val="bg1"/>
+          </a:solidFill>
+          <a:ln>
+            <a:noFill/>
+          </a:ln>
+          <a:effectLst/>
+        </p:spPr>
+      </p:sp>
+      <p:sp>
+        <p:nvSpPr>
+          <p:cNvPr id="19" name="Rectangle 6"/>
+          <p:cNvSpPr>
+            <a:spLocks noGrp="1" noRot="1" noChangeAspect="1" noMove="1" noResize="1" noEditPoints="1" noAdjustHandles="1" noChangeArrowheads="1" noChangeShapeType="1" noTextEdit="1"/>
+          </p:cNvSpPr>
+          <p:nvPr>
+            <p:extLst>
+              <p:ext uri="{386F3935-93C4-4BCD-93E2-E3B085C9AB24}">
+                <p16:designElem xmlns:p16="http://schemas.microsoft.com/office/powerpoint/2015/main" val="1"/>
+              </p:ext>
+            </p:extLst>
+          </p:nvPr>
+        </p:nvSpPr>
+        <p:spPr>
+          <a:xfrm>
+            <a:off x="0" y="0"/>
+            <a:ext cx="12192000" cy="6858000"/>
+          </a:xfrm>
+          <a:prstGeom prst="rect">
+            <a:avLst/>
+          </a:prstGeom>
+          <a:blipFill>
+            <a:blip r:embed="rId2">
+              <a:duotone>
+                <a:schemeClr val="dk2">
+                  <a:shade val="69000"/>
+                  <a:hueMod val="108000"/>
+                  <a:satMod val="164000"/>
+                  <a:lumMod val="74000"/>
+                </a:schemeClr>
+                <a:schemeClr val="dk2">
+                  <a:tint val="96000"/>
+                  <a:hueMod val="88000"/>
+                  <a:satMod val="140000"/>
+                  <a:lumMod val="132000"/>
+                </a:schemeClr>
+              </a:duotone>
+            </a:blip>
+            <a:stretch>
+              <a:fillRect/>
+            </a:stretch>
+          </a:blipFill>
+          <a:ln>
+            <a:noFill/>
+          </a:ln>
+        </p:spPr>
+        <p:style>
+          <a:lnRef idx="2">
+            <a:schemeClr val="accent1">
+              <a:shade val="50000"/>
+            </a:schemeClr>
+          </a:lnRef>
+          <a:fillRef idx="1">
+            <a:schemeClr val="accent1"/>
+          </a:fillRef>
+          <a:effectRef idx="0">
+            <a:schemeClr val="accent1"/>
+          </a:effectRef>
+          <a:fontRef idx="minor">
+            <a:schemeClr val="lt1"/>
+          </a:fontRef>
+        </p:style>
+      </p:sp>
+      <p:sp>
+        <p:nvSpPr>
+          <p:cNvPr id="20" name="Oval 7"/>
+          <p:cNvSpPr>
+            <a:spLocks noGrp="1" noRot="1" noChangeAspect="1" noMove="1" noResize="1" noEditPoints="1" noAdjustHandles="1" noChangeArrowheads="1" noChangeShapeType="1" noTextEdit="1"/>
+          </p:cNvSpPr>
+          <p:nvPr>
+            <p:extLst>
+              <p:ext uri="{386F3935-93C4-4BCD-93E2-E3B085C9AB24}">
+                <p16:designElem xmlns:p16="http://schemas.microsoft.com/office/powerpoint/2015/main" val="1"/>
+              </p:ext>
+            </p:extLst>
+          </p:nvPr>
+        </p:nvSpPr>
+        <p:spPr>
+          <a:xfrm>
+            <a:off x="8761412" y="1828800"/>
+            <a:ext cx="2819400" cy="2819400"/>
+          </a:xfrm>
+          <a:prstGeom prst="ellipse">
+            <a:avLst/>
+          </a:prstGeom>
+          <a:gradFill flip="none" rotWithShape="1">
+            <a:gsLst>
+              <a:gs pos="0">
+                <a:schemeClr val="accent5">
+                  <a:alpha val="7000"/>
+                </a:schemeClr>
+              </a:gs>
+              <a:gs pos="69000">
+                <a:schemeClr val="accent5">
+                  <a:alpha val="0"/>
+                </a:schemeClr>
+              </a:gs>
+              <a:gs pos="36000">
+                <a:schemeClr val="accent5">
+                  <a:alpha val="6000"/>
+                </a:schemeClr>
+              </a:gs>
+            </a:gsLst>
+            <a:path path="circle">
+              <a:fillToRect l="50000" t="50000" r="50000" b="50000"/>
+            </a:path>
+            <a:tileRect/>
+          </a:gradFill>
+          <a:ln>
+            <a:noFill/>
+          </a:ln>
+          <a:effectLst/>
+        </p:spPr>
+        <p:style>
+          <a:lnRef idx="1">
+            <a:schemeClr val="accent1"/>
+          </a:lnRef>
+          <a:fillRef idx="3">
+            <a:schemeClr val="accent1"/>
+          </a:fillRef>
+          <a:effectRef idx="2">
+            <a:schemeClr val="accent1"/>
+          </a:effectRef>
+          <a:fontRef idx="minor">
+            <a:schemeClr val="lt1"/>
+          </a:fontRef>
+        </p:style>
+      </p:sp>
+      <p:sp>
+        <p:nvSpPr>
+          <p:cNvPr id="21" name="Oval 8"/>
+          <p:cNvSpPr>
+            <a:spLocks noGrp="1" noRot="1" noChangeAspect="1" noMove="1" noResize="1" noEditPoints="1" noAdjustHandles="1" noChangeArrowheads="1" noChangeShapeType="1" noTextEdit="1"/>
+          </p:cNvSpPr>
+          <p:nvPr>
+            <p:extLst>
+              <p:ext uri="{386F3935-93C4-4BCD-93E2-E3B085C9AB24}">
+                <p16:designElem xmlns:p16="http://schemas.microsoft.com/office/powerpoint/2015/main" val="1"/>
+              </p:ext>
+            </p:extLst>
+          </p:nvPr>
+        </p:nvSpPr>
+        <p:spPr>
+          <a:xfrm>
+            <a:off x="8761412" y="5870955"/>
+            <a:ext cx="990600" cy="990600"/>
+          </a:xfrm>
+          <a:prstGeom prst="ellipse">
+            <a:avLst/>
+          </a:prstGeom>
+          <a:gradFill flip="none" rotWithShape="1">
+            <a:gsLst>
+              <a:gs pos="0">
+                <a:schemeClr val="accent5">
+                  <a:alpha val="14000"/>
+                </a:schemeClr>
+              </a:gs>
+              <a:gs pos="66000">
+                <a:schemeClr val="accent5">
+                  <a:alpha val="0"/>
+                </a:schemeClr>
+              </a:gs>
+              <a:gs pos="36000">
+                <a:schemeClr val="accent5">
+                  <a:alpha val="7000"/>
+                </a:schemeClr>
+              </a:gs>
+            </a:gsLst>
+            <a:path path="circle">
+              <a:fillToRect l="50000" t="50000" r="50000" b="50000"/>
+            </a:path>
+            <a:tileRect/>
+          </a:gradFill>
+          <a:ln>
+            <a:noFill/>
+          </a:ln>
+          <a:effectLst/>
+        </p:spPr>
+        <p:style>
+          <a:lnRef idx="1">
+            <a:schemeClr val="accent1"/>
+          </a:lnRef>
+          <a:fillRef idx="3">
+            <a:schemeClr val="accent1"/>
+          </a:fillRef>
+          <a:effectRef idx="2">
+            <a:schemeClr val="accent1"/>
+          </a:effectRef>
+          <a:fontRef idx="minor">
+            <a:schemeClr val="lt1"/>
+          </a:fontRef>
+        </p:style>
+      </p:sp>
+      <p:sp>
+        <p:nvSpPr>
+          <p:cNvPr id="22" name="Oval 9"/>
+          <p:cNvSpPr>
+            <a:spLocks noGrp="1" noRot="1" noChangeAspect="1" noMove="1" noResize="1" noEditPoints="1" noAdjustHandles="1" noChangeArrowheads="1" noChangeShapeType="1" noTextEdit="1"/>
+          </p:cNvSpPr>
+          <p:nvPr>
+            <p:extLst>
+              <p:ext uri="{386F3935-93C4-4BCD-93E2-E3B085C9AB24}">
+                <p16:designElem xmlns:p16="http://schemas.microsoft.com/office/powerpoint/2015/main" val="1"/>
+              </p:ext>
+            </p:extLst>
+          </p:nvPr>
+        </p:nvSpPr>
+        <p:spPr>
+          <a:xfrm>
+            <a:off x="-1588" y="2667000"/>
+            <a:ext cx="4191000" cy="4191000"/>
+          </a:xfrm>
+          <a:prstGeom prst="ellipse">
+            <a:avLst/>
+          </a:prstGeom>
+          <a:gradFill flip="none" rotWithShape="1">
+            <a:gsLst>
+              <a:gs pos="0">
+                <a:schemeClr val="accent5">
+                  <a:alpha val="11000"/>
+                </a:schemeClr>
+              </a:gs>
+              <a:gs pos="75000">
+                <a:schemeClr val="accent5">
+                  <a:alpha val="0"/>
+                </a:schemeClr>
+              </a:gs>
+              <a:gs pos="36000">
+                <a:schemeClr val="accent5">
+                  <a:alpha val="10000"/>
+                </a:schemeClr>
+              </a:gs>
+            </a:gsLst>
+            <a:path path="circle">
+              <a:fillToRect l="50000" t="50000" r="50000" b="50000"/>
+            </a:path>
+            <a:tileRect/>
+          </a:gradFill>
+          <a:ln>
+            <a:noFill/>
+          </a:ln>
+          <a:effectLst/>
+        </p:spPr>
+        <p:style>
+          <a:lnRef idx="1">
+            <a:schemeClr val="accent1"/>
+          </a:lnRef>
+          <a:fillRef idx="3">
+            <a:schemeClr val="accent1"/>
+          </a:fillRef>
+          <a:effectRef idx="2">
+            <a:schemeClr val="accent1"/>
+          </a:effectRef>
+          <a:fontRef idx="minor">
+            <a:schemeClr val="lt1"/>
+          </a:fontRef>
+        </p:style>
+      </p:sp>
+      <p:sp>
+        <p:nvSpPr>
+          <p:cNvPr id="23" name="Freeform 5"/>
+          <p:cNvSpPr>
+            <a:spLocks noGrp="1" noRot="1" noChangeAspect="1" noMove="1" noResize="1" noEditPoints="1" noAdjustHandles="1" noChangeArrowheads="1" noChangeShapeType="1" noTextEdit="1"/>
+          </p:cNvSpPr>
+          <p:nvPr>
+            <p:extLst>
+              <p:ext uri="{386F3935-93C4-4BCD-93E2-E3B085C9AB24}">
+                <p16:designElem xmlns:p16="http://schemas.microsoft.com/office/powerpoint/2015/main" val="1"/>
+              </p:ext>
+            </p:extLst>
+          </p:nvPr>
+        </p:nvSpPr>
+        <p:spPr bwMode="gray">
+          <a:xfrm>
+            <a:off x="-1588" y="1587"/>
+            <a:ext cx="12192000" cy="6856413"/>
+          </a:xfrm>
+          <a:custGeom>
+            <a:avLst/>
+            <a:gdLst/>
+            <a:ahLst/>
+            <a:cxnLst/>
+            <a:rect l="0" t="0" r="r" b="b"/>
+            <a:pathLst>
+              <a:path w="15356" h="8638">
+                <a:moveTo>
+                  <a:pt x="0" y="0"/>
+                </a:moveTo>
+                <a:lnTo>
+                  <a:pt x="0" y="8638"/>
+                </a:lnTo>
+                <a:lnTo>
+                  <a:pt x="15356" y="8638"/>
+                </a:lnTo>
+                <a:lnTo>
+                  <a:pt x="15356" y="0"/>
+                </a:lnTo>
+                <a:lnTo>
+                  <a:pt x="0" y="0"/>
+                </a:lnTo>
+                <a:close/>
+                <a:moveTo>
+                  <a:pt x="14748" y="8038"/>
+                </a:moveTo>
+                <a:lnTo>
+                  <a:pt x="600" y="8038"/>
+                </a:lnTo>
+                <a:lnTo>
+                  <a:pt x="600" y="592"/>
+                </a:lnTo>
+                <a:lnTo>
+                  <a:pt x="14748" y="592"/>
+                </a:lnTo>
+                <a:lnTo>
+                  <a:pt x="14748" y="8038"/>
+                </a:lnTo>
+                <a:close/>
+              </a:path>
+            </a:pathLst>
+          </a:custGeom>
+          <a:solidFill>
+            <a:schemeClr val="bg1"/>
+          </a:solidFill>
+          <a:ln>
+            <a:noFill/>
+          </a:ln>
+        </p:spPr>
+      </p:sp>
+      <p:sp>
+        <p:nvSpPr>
+          <p:cNvPr id="24" name="Rectangle 11"/>
+          <p:cNvSpPr>
+            <a:spLocks noGrp="1" noRot="1" noChangeAspect="1" noMove="1" noResize="1" noEditPoints="1" noAdjustHandles="1" noChangeArrowheads="1" noChangeShapeType="1" noTextEdit="1"/>
+          </p:cNvSpPr>
+          <p:nvPr>
+            <p:extLst>
+              <p:ext uri="{386F3935-93C4-4BCD-93E2-E3B085C9AB24}">
+                <p16:designElem xmlns:p16="http://schemas.microsoft.com/office/powerpoint/2015/main" val="1"/>
+              </p:ext>
+            </p:extLst>
+          </p:nvPr>
+        </p:nvSpPr>
+        <p:spPr>
+          <a:xfrm>
+            <a:off x="10437812" y="0"/>
+            <a:ext cx="685800" cy="1143000"/>
+          </a:xfrm>
+          <a:prstGeom prst="rect">
+            <a:avLst/>
+          </a:prstGeom>
+          <a:solidFill>
+            <a:schemeClr val="accent1"/>
+          </a:solidFill>
+          <a:ln>
+            <a:noFill/>
+          </a:ln>
+        </p:spPr>
+        <p:style>
+          <a:lnRef idx="1">
+            <a:schemeClr val="accent1"/>
+          </a:lnRef>
+          <a:fillRef idx="3">
+            <a:schemeClr val="accent1"/>
+          </a:fillRef>
+          <a:effectRef idx="2">
+            <a:schemeClr val="accent1"/>
+          </a:effectRef>
+          <a:fontRef idx="minor">
+            <a:schemeClr val="lt1"/>
+          </a:fontRef>
+        </p:style>
+      </p:sp>
+      <p:pic>
+        <p:nvPicPr>
+          <p:cNvPr id="4" name="Content Placeholder 3"/>
+          <p:cNvPicPr>
+            <a:picLocks noGrp="1" noChangeAspect="1"/>
+          </p:cNvPicPr>
+          <p:nvPr>
+            <p:ph type="pic" idx="1"/>
+          </p:nvPr>
+        </p:nvPicPr>
+        <p:blipFill>
+          <a:blip r:embed="rId3"/>
+          <a:stretch>
+            <a:fillRect/>
+          </a:stretch>
+        </p:blipFill>
+        <p:spPr>
+          <a:xfrm>
+            <a:off x="1259378" y="1113063"/>
+            <a:ext cx="6171677" cy="4628758"/>
+          </a:xfrm>
+          <a:prstGeom prst="roundRect">
+            <a:avLst>
+              <a:gd name="adj" fmla="val 1329"/>
+            </a:avLst>
+          </a:prstGeom>
+          <a:effectLst>
+            <a:outerShdw blurRad="50800" dist="50800" dir="5400000" algn="tl" rotWithShape="0">
+              <a:srgbClr val="000000">
+                <a:alpha val="43000"/>
+              </a:srgbClr>
+            </a:outerShdw>
+          </a:effectLst>
+        </p:spPr>
+      </p:pic>
+      <p:sp>
+        <p:nvSpPr>
           <p:cNvPr id="2" name="Title 1"/>
           <p:cNvSpPr>
             <a:spLocks noGrp="1"/>
@@ -14228,62 +14698,27 @@
         </p:nvSpPr>
         <p:spPr>
           <a:xfrm>
-            <a:off x="1154956" y="2116931"/>
-            <a:ext cx="8825657" cy="566738"/>
+            <a:off x="8160773" y="1113062"/>
+            <a:ext cx="3382297" cy="3281957"/>
           </a:xfrm>
         </p:spPr>
         <p:txBody>
-          <a:bodyPr>
+          <a:bodyPr vert="horz" lIns="91440" tIns="45720" rIns="91440" bIns="45720" rtlCol="0" anchor="b">
             <a:normAutofit/>
           </a:bodyPr>
           <a:lstStyle/>
           <a:p>
-            <a:pPr algn="ctr"/>
             <a:r>
-              <a:rPr lang="en-US" sz="2800" dirty="0">
-                <a:solidFill>
-                  <a:schemeClr val="tx1">
-                    <a:lumMod val="95000"/>
-                    <a:lumOff val="5000"/>
-                  </a:schemeClr>
-                </a:solidFill>
-              </a:rPr>
-              <a:t>thank you!</a:t>
+              <a:rPr lang="en-US" sz="5400"/>
+              <a:t>Thank you</a:t>
             </a:r>
-            <a:endParaRPr lang="bg-BG" sz="2800" dirty="0">
-              <a:solidFill>
-                <a:schemeClr val="tx1">
-                  <a:lumMod val="95000"/>
-                  <a:lumOff val="5000"/>
-                </a:schemeClr>
-              </a:solidFill>
-            </a:endParaRPr>
-          </a:p>
-        </p:txBody>
-      </p:sp>
-      <p:sp>
-        <p:nvSpPr>
-          <p:cNvPr id="4" name="Text Placeholder 3"/>
-          <p:cNvSpPr>
-            <a:spLocks noGrp="1"/>
-          </p:cNvSpPr>
-          <p:nvPr>
-            <p:ph type="body" sz="half" idx="2"/>
-          </p:nvPr>
-        </p:nvSpPr>
-        <p:spPr/>
-        <p:txBody>
-          <a:bodyPr/>
-          <a:lstStyle/>
-          <a:p>
-            <a:endParaRPr lang="bg-BG" dirty="0"/>
           </a:p>
         </p:txBody>
       </p:sp>
     </p:spTree>
     <p:extLst>
       <p:ext uri="{BB962C8B-B14F-4D97-AF65-F5344CB8AC3E}">
-        <p14:creationId xmlns:p14="http://schemas.microsoft.com/office/powerpoint/2010/main" val="1039898302"/>
+        <p14:creationId xmlns:p14="http://schemas.microsoft.com/office/powerpoint/2010/main" val="2463254487"/>
       </p:ext>
     </p:extLst>
   </p:cSld>

--- a/Documents/FINAL/ProCp-Project-Core-phase -without some slides.pptx
+++ b/Documents/FINAL/ProCp-Project-Core-phase -without some slides.pptx
@@ -10,7 +10,7 @@
   <p:sldIdLst>
     <p:sldId id="256" r:id="rId2"/>
     <p:sldId id="269" r:id="rId3"/>
-    <p:sldId id="270" r:id="rId4"/>
+    <p:sldId id="279" r:id="rId4"/>
     <p:sldId id="274" r:id="rId5"/>
     <p:sldId id="276" r:id="rId6"/>
     <p:sldId id="267" r:id="rId7"/>
@@ -653,94 +653,6 @@
           <a:p>
             <a:r>
               <a:rPr lang="en-US" dirty="0"/>
-              <a:t>App introduction, and Listing all the benefits/features</a:t>
-            </a:r>
-            <a:endParaRPr lang="bg-BG" dirty="0"/>
-          </a:p>
-        </p:txBody>
-      </p:sp>
-      <p:sp>
-        <p:nvSpPr>
-          <p:cNvPr id="4" name="Slide Number Placeholder 3"/>
-          <p:cNvSpPr>
-            <a:spLocks noGrp="1"/>
-          </p:cNvSpPr>
-          <p:nvPr>
-            <p:ph type="sldNum" sz="quarter" idx="10"/>
-          </p:nvPr>
-        </p:nvSpPr>
-        <p:spPr/>
-        <p:txBody>
-          <a:bodyPr/>
-          <a:lstStyle/>
-          <a:p>
-            <a:fld id="{FE574705-76D7-453A-8519-6907CC78C8CA}" type="slidenum">
-              <a:rPr lang="bg-BG" smtClean="0"/>
-              <a:t>3</a:t>
-            </a:fld>
-            <a:endParaRPr lang="bg-BG"/>
-          </a:p>
-        </p:txBody>
-      </p:sp>
-    </p:spTree>
-    <p:extLst>
-      <p:ext uri="{BB962C8B-B14F-4D97-AF65-F5344CB8AC3E}">
-        <p14:creationId xmlns:p14="http://schemas.microsoft.com/office/powerpoint/2010/main" val="2922100499"/>
-      </p:ext>
-    </p:extLst>
-  </p:cSld>
-  <p:clrMapOvr>
-    <a:masterClrMapping/>
-  </p:clrMapOvr>
-</p:notes>
-</file>
-
-<file path=ppt/notesSlides/notesSlide3.xml><?xml version="1.0" encoding="utf-8"?>
-<p:notes xmlns:a="http://schemas.openxmlformats.org/drawingml/2006/main" xmlns:r="http://schemas.openxmlformats.org/officeDocument/2006/relationships" xmlns:p="http://schemas.openxmlformats.org/presentationml/2006/main">
-  <p:cSld>
-    <p:spTree>
-      <p:nvGrpSpPr>
-        <p:cNvPr id="1" name=""/>
-        <p:cNvGrpSpPr/>
-        <p:nvPr/>
-      </p:nvGrpSpPr>
-      <p:grpSpPr>
-        <a:xfrm>
-          <a:off x="0" y="0"/>
-          <a:ext cx="0" cy="0"/>
-          <a:chOff x="0" y="0"/>
-          <a:chExt cx="0" cy="0"/>
-        </a:xfrm>
-      </p:grpSpPr>
-      <p:sp>
-        <p:nvSpPr>
-          <p:cNvPr id="2" name="Slide Image Placeholder 1"/>
-          <p:cNvSpPr>
-            <a:spLocks noGrp="1" noRot="1" noChangeAspect="1"/>
-          </p:cNvSpPr>
-          <p:nvPr>
-            <p:ph type="sldImg"/>
-          </p:nvPr>
-        </p:nvSpPr>
-        <p:spPr/>
-      </p:sp>
-      <p:sp>
-        <p:nvSpPr>
-          <p:cNvPr id="3" name="Notes Placeholder 2"/>
-          <p:cNvSpPr>
-            <a:spLocks noGrp="1"/>
-          </p:cNvSpPr>
-          <p:nvPr>
-            <p:ph type="body" idx="1"/>
-          </p:nvPr>
-        </p:nvSpPr>
-        <p:spPr/>
-        <p:txBody>
-          <a:bodyPr/>
-          <a:lstStyle/>
-          <a:p>
-            <a:r>
-              <a:rPr lang="en-US" dirty="0"/>
               <a:t>Explaining the one of the key features of the app</a:t>
             </a:r>
             <a:endParaRPr lang="bg-BG" dirty="0"/>
@@ -783,7 +695,7 @@
 </p:notes>
 </file>
 
-<file path=ppt/notesSlides/notesSlide4.xml><?xml version="1.0" encoding="utf-8"?>
+<file path=ppt/notesSlides/notesSlide3.xml><?xml version="1.0" encoding="utf-8"?>
 <p:notes xmlns:a="http://schemas.openxmlformats.org/drawingml/2006/main" xmlns:r="http://schemas.openxmlformats.org/officeDocument/2006/relationships" xmlns:p="http://schemas.openxmlformats.org/presentationml/2006/main">
   <p:cSld>
     <p:spTree>
@@ -13469,32 +13381,37 @@
               <a:rPr lang="en-US" sz="4000" dirty="0"/>
               <a:t>RCAEA</a:t>
             </a:r>
+            <a:endParaRPr lang="en-US" sz="4000" dirty="0"/>
           </a:p>
         </p:txBody>
       </p:sp>
-      <p:sp>
-        <p:nvSpPr>
-          <p:cNvPr id="5" name="Content Placeholder 4"/>
-          <p:cNvSpPr>
-            <a:spLocks noGrp="1"/>
-          </p:cNvSpPr>
+      <p:pic>
+        <p:nvPicPr>
+          <p:cNvPr id="4" name="Content Placeholder 3"/>
+          <p:cNvPicPr>
+            <a:picLocks noGrp="1" noChangeAspect="1"/>
+          </p:cNvPicPr>
           <p:nvPr>
             <p:ph idx="1"/>
           </p:nvPr>
-        </p:nvSpPr>
-        <p:spPr/>
-        <p:txBody>
-          <a:bodyPr/>
-          <a:lstStyle/>
-          <a:p>
-            <a:endParaRPr lang="bg-BG" dirty="0"/>
-          </a:p>
-        </p:txBody>
-      </p:sp>
+        </p:nvPicPr>
+        <p:blipFill>
+          <a:blip r:embed="rId2"/>
+          <a:stretch>
+            <a:fillRect/>
+          </a:stretch>
+        </p:blipFill>
+        <p:spPr>
+          <a:xfrm>
+            <a:off x="2176735" y="2273968"/>
+            <a:ext cx="6818715" cy="4545810"/>
+          </a:xfrm>
+        </p:spPr>
+      </p:pic>
     </p:spTree>
     <p:extLst>
       <p:ext uri="{BB962C8B-B14F-4D97-AF65-F5344CB8AC3E}">
-        <p14:creationId xmlns:p14="http://schemas.microsoft.com/office/powerpoint/2010/main" val="1311494397"/>
+        <p14:creationId xmlns:p14="http://schemas.microsoft.com/office/powerpoint/2010/main" val="1207547341"/>
       </p:ext>
     </p:extLst>
   </p:cSld>
@@ -13698,7 +13615,6 @@
               <a:rPr lang="en-US" dirty="0"/>
               <a:t>Maximizing profit</a:t>
             </a:r>
-            <a:endParaRPr lang="en-US" dirty="0"/>
           </a:p>
           <a:p>
             <a:endParaRPr lang="en-US" dirty="0"/>

--- a/Documents/FINAL/ProCp-Project-Core-phase -without some slides.pptx
+++ b/Documents/FINAL/ProCp-Project-Core-phase -without some slides.pptx
@@ -5,7 +5,7 @@
     <p:sldMasterId id="2147483648" r:id="rId1"/>
   </p:sldMasterIdLst>
   <p:notesMasterIdLst>
-    <p:notesMasterId r:id="rId9"/>
+    <p:notesMasterId r:id="rId10"/>
   </p:notesMasterIdLst>
   <p:sldIdLst>
     <p:sldId id="256" r:id="rId2"/>
@@ -13,8 +13,9 @@
     <p:sldId id="279" r:id="rId4"/>
     <p:sldId id="274" r:id="rId5"/>
     <p:sldId id="276" r:id="rId6"/>
-    <p:sldId id="267" r:id="rId7"/>
-    <p:sldId id="278" r:id="rId8"/>
+    <p:sldId id="280" r:id="rId7"/>
+    <p:sldId id="267" r:id="rId8"/>
+    <p:sldId id="278" r:id="rId9"/>
   </p:sldIdLst>
   <p:sldSz cx="12192000" cy="6858000"/>
   <p:notesSz cx="6858000" cy="9144000"/>
@@ -794,6 +795,114 @@
     <p:extLst>
       <p:ext uri="{BB962C8B-B14F-4D97-AF65-F5344CB8AC3E}">
         <p14:creationId xmlns:p14="http://schemas.microsoft.com/office/powerpoint/2010/main" val="3821249481"/>
+      </p:ext>
+    </p:extLst>
+  </p:cSld>
+  <p:clrMapOvr>
+    <a:masterClrMapping/>
+  </p:clrMapOvr>
+</p:notes>
+</file>
+
+<file path=ppt/notesSlides/notesSlide4.xml><?xml version="1.0" encoding="utf-8"?>
+<p:notes xmlns:a="http://schemas.openxmlformats.org/drawingml/2006/main" xmlns:r="http://schemas.openxmlformats.org/officeDocument/2006/relationships" xmlns:p="http://schemas.openxmlformats.org/presentationml/2006/main">
+  <p:cSld>
+    <p:spTree>
+      <p:nvGrpSpPr>
+        <p:cNvPr id="1" name=""/>
+        <p:cNvGrpSpPr/>
+        <p:nvPr/>
+      </p:nvGrpSpPr>
+      <p:grpSpPr>
+        <a:xfrm>
+          <a:off x="0" y="0"/>
+          <a:ext cx="0" cy="0"/>
+          <a:chOff x="0" y="0"/>
+          <a:chExt cx="0" cy="0"/>
+        </a:xfrm>
+      </p:grpSpPr>
+      <p:sp>
+        <p:nvSpPr>
+          <p:cNvPr id="2" name="Slide Image Placeholder 1"/>
+          <p:cNvSpPr>
+            <a:spLocks noGrp="1" noRot="1" noChangeAspect="1"/>
+          </p:cNvSpPr>
+          <p:nvPr>
+            <p:ph type="sldImg"/>
+          </p:nvPr>
+        </p:nvSpPr>
+        <p:spPr/>
+      </p:sp>
+      <p:sp>
+        <p:nvSpPr>
+          <p:cNvPr id="3" name="Notes Placeholder 2"/>
+          <p:cNvSpPr>
+            <a:spLocks noGrp="1"/>
+          </p:cNvSpPr>
+          <p:nvPr>
+            <p:ph type="body" idx="1"/>
+          </p:nvPr>
+        </p:nvSpPr>
+        <p:spPr/>
+        <p:txBody>
+          <a:bodyPr/>
+          <a:lstStyle/>
+          <a:p>
+            <a:pPr marL="0" marR="0" lvl="0" indent="0" algn="l" defTabSz="914400" rtl="0" eaLnBrk="1" fontAlgn="auto" latinLnBrk="0" hangingPunct="1">
+              <a:lnSpc>
+                <a:spcPct val="100000"/>
+              </a:lnSpc>
+              <a:spcBef>
+                <a:spcPts val="0"/>
+              </a:spcBef>
+              <a:spcAft>
+                <a:spcPts val="0"/>
+              </a:spcAft>
+              <a:buClrTx/>
+              <a:buSzTx/>
+              <a:buFontTx/>
+              <a:buNone/>
+              <a:tabLst/>
+              <a:defRPr/>
+            </a:pPr>
+            <a:r>
+              <a:rPr lang="en-US" dirty="0"/>
+              <a:t>Explaining another key features of the app</a:t>
+            </a:r>
+            <a:endParaRPr lang="bg-BG" dirty="0"/>
+          </a:p>
+          <a:p>
+            <a:endParaRPr lang="bg-BG" dirty="0"/>
+          </a:p>
+        </p:txBody>
+      </p:sp>
+      <p:sp>
+        <p:nvSpPr>
+          <p:cNvPr id="4" name="Slide Number Placeholder 3"/>
+          <p:cNvSpPr>
+            <a:spLocks noGrp="1"/>
+          </p:cNvSpPr>
+          <p:nvPr>
+            <p:ph type="sldNum" sz="quarter" idx="10"/>
+          </p:nvPr>
+        </p:nvSpPr>
+        <p:spPr/>
+        <p:txBody>
+          <a:bodyPr/>
+          <a:lstStyle/>
+          <a:p>
+            <a:fld id="{FE574705-76D7-453A-8519-6907CC78C8CA}" type="slidenum">
+              <a:rPr lang="bg-BG" smtClean="0"/>
+              <a:t>6</a:t>
+            </a:fld>
+            <a:endParaRPr lang="bg-BG"/>
+          </a:p>
+        </p:txBody>
+      </p:sp>
+    </p:spTree>
+    <p:extLst>
+      <p:ext uri="{BB962C8B-B14F-4D97-AF65-F5344CB8AC3E}">
+        <p14:creationId xmlns:p14="http://schemas.microsoft.com/office/powerpoint/2010/main" val="3184712399"/>
       </p:ext>
     </p:extLst>
   </p:cSld>
@@ -13303,19 +13412,20 @@
           <a:p>
             <a:r>
               <a:rPr lang="en-US" dirty="0"/>
+              <a:t>RCAEA overview</a:t>
+            </a:r>
+            <a:endParaRPr lang="en-US" dirty="0"/>
+          </a:p>
+          <a:p>
+            <a:r>
+              <a:rPr lang="en-US" dirty="0"/>
+              <a:t> key features</a:t>
+            </a:r>
+          </a:p>
+          <a:p>
+            <a:r>
+              <a:rPr lang="en-US" dirty="0"/>
               <a:t>Benefits</a:t>
-            </a:r>
-          </a:p>
-          <a:p>
-            <a:r>
-              <a:rPr lang="en-US" dirty="0"/>
-              <a:t>Benefit 1 </a:t>
-            </a:r>
-          </a:p>
-          <a:p>
-            <a:r>
-              <a:rPr lang="en-US" dirty="0"/>
-              <a:t>Benefit n ..</a:t>
             </a:r>
           </a:p>
           <a:p>
@@ -13381,7 +13491,6 @@
               <a:rPr lang="en-US" sz="4000" dirty="0"/>
               <a:t>RCAEA</a:t>
             </a:r>
-            <a:endParaRPr lang="en-US" sz="4000" dirty="0"/>
           </a:p>
         </p:txBody>
       </p:sp>
@@ -13461,8 +13570,13 @@
             <a:pPr algn="ctr"/>
             <a:r>
               <a:rPr lang="en-US" sz="4000" dirty="0"/>
-              <a:t>Simulates </a:t>
-            </a:r>
+              <a:t>RCAEA </a:t>
+            </a:r>
+            <a:r>
+              <a:rPr lang="en-US" sz="4000" dirty="0"/>
+              <a:t>overview</a:t>
+            </a:r>
+            <a:endParaRPr lang="en-US" sz="4000" dirty="0"/>
           </a:p>
         </p:txBody>
       </p:sp>
@@ -13565,8 +13679,9 @@
             <a:pPr algn="ctr"/>
             <a:r>
               <a:rPr lang="en-US" sz="4000" dirty="0"/>
-              <a:t>Benefits</a:t>
-            </a:r>
+              <a:t> key features</a:t>
+            </a:r>
+            <a:endParaRPr lang="en-US" sz="4000" dirty="0"/>
           </a:p>
         </p:txBody>
       </p:sp>
@@ -13589,35 +13704,32 @@
           <a:p>
             <a:r>
               <a:rPr lang="en-US" dirty="0"/>
-              <a:t>Efficiently using water resources</a:t>
+              <a:t>Easy to Save simulation</a:t>
             </a:r>
           </a:p>
           <a:p>
             <a:r>
               <a:rPr lang="en-US" dirty="0"/>
-              <a:t>Efficiently using fertilizer</a:t>
+              <a:t>Easy to load simulation</a:t>
             </a:r>
           </a:p>
           <a:p>
             <a:r>
               <a:rPr lang="en-US" dirty="0"/>
-              <a:t>Efficiently using arable land</a:t>
+              <a:t>Easy to visualize crop growth</a:t>
             </a:r>
           </a:p>
           <a:p>
             <a:r>
               <a:rPr lang="en-US" dirty="0"/>
-              <a:t>Minimizing harvesting cost</a:t>
+              <a:t>Easy to calculate harvesting cost</a:t>
             </a:r>
           </a:p>
           <a:p>
             <a:r>
               <a:rPr lang="en-US" dirty="0"/>
-              <a:t>Maximizing profit</a:t>
-            </a:r>
-          </a:p>
-          <a:p>
-            <a:endParaRPr lang="en-US" dirty="0"/>
+              <a:t>Easy to calculate the profit</a:t>
+            </a:r>
           </a:p>
         </p:txBody>
       </p:sp>
@@ -13635,6 +13747,115 @@
 </file>
 
 <file path=ppt/slides/slide6.xml><?xml version="1.0" encoding="utf-8"?>
+<p:sld xmlns:a="http://schemas.openxmlformats.org/drawingml/2006/main" xmlns:r="http://schemas.openxmlformats.org/officeDocument/2006/relationships" xmlns:p="http://schemas.openxmlformats.org/presentationml/2006/main">
+  <p:cSld>
+    <p:spTree>
+      <p:nvGrpSpPr>
+        <p:cNvPr id="1" name=""/>
+        <p:cNvGrpSpPr/>
+        <p:nvPr/>
+      </p:nvGrpSpPr>
+      <p:grpSpPr>
+        <a:xfrm>
+          <a:off x="0" y="0"/>
+          <a:ext cx="0" cy="0"/>
+          <a:chOff x="0" y="0"/>
+          <a:chExt cx="0" cy="0"/>
+        </a:xfrm>
+      </p:grpSpPr>
+      <p:sp>
+        <p:nvSpPr>
+          <p:cNvPr id="2" name="Title 1"/>
+          <p:cNvSpPr>
+            <a:spLocks noGrp="1"/>
+          </p:cNvSpPr>
+          <p:nvPr>
+            <p:ph type="title"/>
+          </p:nvPr>
+        </p:nvSpPr>
+        <p:spPr>
+          <a:xfrm>
+            <a:off x="1154954" y="973669"/>
+            <a:ext cx="8825659" cy="988946"/>
+          </a:xfrm>
+        </p:spPr>
+        <p:txBody>
+          <a:bodyPr/>
+          <a:lstStyle/>
+          <a:p>
+            <a:pPr algn="ctr"/>
+            <a:r>
+              <a:rPr lang="en-US" sz="4000" dirty="0"/>
+              <a:t>Benefits</a:t>
+            </a:r>
+          </a:p>
+        </p:txBody>
+      </p:sp>
+      <p:sp>
+        <p:nvSpPr>
+          <p:cNvPr id="5" name="Content Placeholder 4"/>
+          <p:cNvSpPr>
+            <a:spLocks noGrp="1"/>
+          </p:cNvSpPr>
+          <p:nvPr>
+            <p:ph idx="1"/>
+          </p:nvPr>
+        </p:nvSpPr>
+        <p:spPr/>
+        <p:txBody>
+          <a:bodyPr>
+            <a:normAutofit/>
+          </a:bodyPr>
+          <a:lstStyle/>
+          <a:p>
+            <a:r>
+              <a:rPr lang="en-US" dirty="0"/>
+              <a:t>Efficiently using water resources</a:t>
+            </a:r>
+          </a:p>
+          <a:p>
+            <a:r>
+              <a:rPr lang="en-US" dirty="0"/>
+              <a:t>Efficiently using fertilizer</a:t>
+            </a:r>
+          </a:p>
+          <a:p>
+            <a:r>
+              <a:rPr lang="en-US" dirty="0"/>
+              <a:t>Efficiently using arable land</a:t>
+            </a:r>
+          </a:p>
+          <a:p>
+            <a:r>
+              <a:rPr lang="en-US" dirty="0"/>
+              <a:t>Minimizing harvesting cost</a:t>
+            </a:r>
+          </a:p>
+          <a:p>
+            <a:r>
+              <a:rPr lang="en-US" dirty="0"/>
+              <a:t>Maximizing profit</a:t>
+            </a:r>
+          </a:p>
+          <a:p>
+            <a:endParaRPr lang="en-US" dirty="0"/>
+          </a:p>
+        </p:txBody>
+      </p:sp>
+    </p:spTree>
+    <p:extLst>
+      <p:ext uri="{BB962C8B-B14F-4D97-AF65-F5344CB8AC3E}">
+        <p14:creationId xmlns:p14="http://schemas.microsoft.com/office/powerpoint/2010/main" val="769324445"/>
+      </p:ext>
+    </p:extLst>
+  </p:cSld>
+  <p:clrMapOvr>
+    <a:masterClrMapping/>
+  </p:clrMapOvr>
+</p:sld>
+</file>
+
+<file path=ppt/slides/slide7.xml><?xml version="1.0" encoding="utf-8"?>
 <p:sld xmlns:a="http://schemas.openxmlformats.org/drawingml/2006/main" xmlns:r="http://schemas.openxmlformats.org/officeDocument/2006/relationships" xmlns:p="http://schemas.openxmlformats.org/presentationml/2006/main">
   <p:cSld>
     <p:spTree>
@@ -14146,7 +14367,7 @@
 </p:sld>
 </file>
 
-<file path=ppt/slides/slide7.xml><?xml version="1.0" encoding="utf-8"?>
+<file path=ppt/slides/slide8.xml><?xml version="1.0" encoding="utf-8"?>
 <p:sld xmlns:a="http://schemas.openxmlformats.org/drawingml/2006/main" xmlns:r="http://schemas.openxmlformats.org/officeDocument/2006/relationships" xmlns:p="http://schemas.openxmlformats.org/presentationml/2006/main">
   <p:cSld>
     <p:spTree>

--- a/Documents/FINAL/ProCp-Project-Core-phase -without some slides.pptx
+++ b/Documents/FINAL/ProCp-Project-Core-phase -without some slides.pptx
@@ -215,7 +215,7 @@
           <a:p>
             <a:fld id="{BA16F01B-922F-42CF-BBA6-E24DD39578B1}" type="datetimeFigureOut">
               <a:rPr lang="bg-BG" smtClean="0"/>
-              <a:t>18.1.2017 г.</a:t>
+              <a:t>20.1.2017 г.</a:t>
             </a:fld>
             <a:endParaRPr lang="bg-BG"/>
           </a:p>
@@ -1421,7 +1421,7 @@
             <a:fld id="{E9462EF3-3C4F-43EE-ACEE-D4B806740EA3}" type="datetimeFigureOut">
               <a:rPr lang="en-US" dirty="0"/>
               <a:pPr/>
-              <a:t>1/18/2017</a:t>
+              <a:t>1/20/2017</a:t>
             </a:fld>
             <a:endParaRPr lang="en-US" dirty="0"/>
           </a:p>
@@ -2404,7 +2404,7 @@
             <a:fld id="{36343B39-165A-4B68-AA5C-581F5336313C}" type="datetimeFigureOut">
               <a:rPr lang="en-US" dirty="0"/>
               <a:pPr/>
-              <a:t>1/18/2017</a:t>
+              <a:t>1/20/2017</a:t>
             </a:fld>
             <a:endParaRPr lang="en-US" dirty="0"/>
           </a:p>
@@ -3275,7 +3275,7 @@
             <a:fld id="{942C8C57-33F9-4259-AC4F-0E3F5BEC9B94}" type="datetimeFigureOut">
               <a:rPr lang="en-US" dirty="0"/>
               <a:pPr/>
-              <a:t>1/18/2017</a:t>
+              <a:t>1/20/2017</a:t>
             </a:fld>
             <a:endParaRPr lang="en-US" dirty="0"/>
           </a:p>
@@ -4297,7 +4297,7 @@
             <a:fld id="{8748772B-8FA2-401F-A0A1-A59855EDBC3E}" type="datetimeFigureOut">
               <a:rPr lang="en-US" dirty="0"/>
               <a:pPr/>
-              <a:t>1/18/2017</a:t>
+              <a:t>1/20/2017</a:t>
             </a:fld>
             <a:endParaRPr lang="en-US" dirty="0"/>
           </a:p>
@@ -5218,7 +5218,7 @@
             <a:fld id="{D3DD5BDE-5A90-4611-82E9-0FC5746D30C5}" type="datetimeFigureOut">
               <a:rPr lang="en-US" dirty="0"/>
               <a:pPr/>
-              <a:t>1/18/2017</a:t>
+              <a:t>1/20/2017</a:t>
             </a:fld>
             <a:endParaRPr lang="en-US" dirty="0"/>
           </a:p>
@@ -5875,7 +5875,7 @@
             <a:fld id="{1ADDA17D-0BEA-4E76-A7FC-F7C188BC48D1}" type="datetimeFigureOut">
               <a:rPr lang="en-US" dirty="0"/>
               <a:pPr/>
-              <a:t>1/18/2017</a:t>
+              <a:t>1/20/2017</a:t>
             </a:fld>
             <a:endParaRPr lang="en-US" dirty="0"/>
           </a:p>
@@ -6733,7 +6733,7 @@
             <a:fld id="{6909AC7D-18CA-4236-82B9-D75EB1D66EAE}" type="datetimeFigureOut">
               <a:rPr lang="en-US" dirty="0"/>
               <a:pPr/>
-              <a:t>1/18/2017</a:t>
+              <a:t>1/20/2017</a:t>
             </a:fld>
             <a:endParaRPr lang="en-US" dirty="0"/>
           </a:p>
@@ -6917,7 +6917,7 @@
             <a:fld id="{5568300E-C023-45CD-A0BE-EDB7A8C6EA8B}" type="datetimeFigureOut">
               <a:rPr lang="en-US" dirty="0"/>
               <a:pPr/>
-              <a:t>1/18/2017</a:t>
+              <a:t>1/20/2017</a:t>
             </a:fld>
             <a:endParaRPr lang="en-US" dirty="0"/>
           </a:p>
@@ -7775,7 +7775,7 @@
             <a:fld id="{3B620EAD-E369-4933-8469-ED7764B56A1B}" type="datetimeFigureOut">
               <a:rPr lang="en-US" dirty="0"/>
               <a:pPr/>
-              <a:t>1/18/2017</a:t>
+              <a:t>1/20/2017</a:t>
             </a:fld>
             <a:endParaRPr lang="en-US" dirty="0"/>
           </a:p>
@@ -7995,7 +7995,7 @@
             <a:fld id="{076C0EF2-9919-473B-8215-8616BAF10692}" type="datetimeFigureOut">
               <a:rPr lang="en-US" dirty="0"/>
               <a:pPr/>
-              <a:t>1/18/2017</a:t>
+              <a:t>1/20/2017</a:t>
             </a:fld>
             <a:endParaRPr lang="en-US" dirty="0"/>
           </a:p>
@@ -8921,7 +8921,7 @@
             <a:fld id="{A09472EB-AC54-4713-BFC2-BEB621108C63}" type="datetimeFigureOut">
               <a:rPr lang="en-US" dirty="0"/>
               <a:pPr/>
-              <a:t>1/18/2017</a:t>
+              <a:t>1/20/2017</a:t>
             </a:fld>
             <a:endParaRPr lang="en-US" dirty="0"/>
           </a:p>
@@ -9206,7 +9206,7 @@
             <a:fld id="{99455A0C-791E-4545-B787-F98AD45CD761}" type="datetimeFigureOut">
               <a:rPr lang="en-US" dirty="0"/>
               <a:pPr/>
-              <a:t>1/18/2017</a:t>
+              <a:t>1/20/2017</a:t>
             </a:fld>
             <a:endParaRPr lang="en-US" dirty="0"/>
           </a:p>
@@ -9597,7 +9597,7 @@
             <a:fld id="{42536B77-F4F4-4427-AC4F-9A623798AD82}" type="datetimeFigureOut">
               <a:rPr lang="en-US" dirty="0"/>
               <a:pPr/>
-              <a:t>1/18/2017</a:t>
+              <a:t>1/20/2017</a:t>
             </a:fld>
             <a:endParaRPr lang="en-US" dirty="0"/>
           </a:p>
@@ -9724,7 +9724,7 @@
             <a:fld id="{D8BE790C-34EB-4565-8437-CACF4CDB7822}" type="datetimeFigureOut">
               <a:rPr lang="en-US" dirty="0"/>
               <a:pPr/>
-              <a:t>1/18/2017</a:t>
+              <a:t>1/20/2017</a:t>
             </a:fld>
             <a:endParaRPr lang="en-US" dirty="0"/>
           </a:p>
@@ -9820,7 +9820,7 @@
             <a:fld id="{F84A4C11-22B8-4A4E-8126-B3AF6B948A8E}" type="datetimeFigureOut">
               <a:rPr lang="en-US" dirty="0"/>
               <a:pPr/>
-              <a:t>1/18/2017</a:t>
+              <a:t>1/20/2017</a:t>
             </a:fld>
             <a:endParaRPr lang="en-US" dirty="0"/>
           </a:p>
@@ -10792,7 +10792,7 @@
             <a:fld id="{16ED06B6-C816-4861-964D-15A98395707D}" type="datetimeFigureOut">
               <a:rPr lang="en-US" dirty="0"/>
               <a:pPr/>
-              <a:t>1/18/2017</a:t>
+              <a:t>1/20/2017</a:t>
             </a:fld>
             <a:endParaRPr lang="en-US" dirty="0"/>
           </a:p>
@@ -11788,7 +11788,7 @@
             <a:fld id="{00B1A8AB-EA7C-4B1B-9D73-E2551851FABE}" type="datetimeFigureOut">
               <a:rPr lang="en-US" dirty="0"/>
               <a:pPr/>
-              <a:t>1/18/2017</a:t>
+              <a:t>1/20/2017</a:t>
             </a:fld>
             <a:endParaRPr lang="en-US" dirty="0"/>
           </a:p>
@@ -12682,7 +12682,7 @@
             <a:fld id="{90786BE5-D2A3-4BF0-8B30-D7403E61B3DC}" type="datetimeFigureOut">
               <a:rPr lang="en-US" dirty="0"/>
               <a:pPr/>
-              <a:t>1/18/2017</a:t>
+              <a:t>1/20/2017</a:t>
             </a:fld>
             <a:endParaRPr lang="en-US" dirty="0"/>
           </a:p>
@@ -13414,7 +13414,6 @@
               <a:rPr lang="en-US" dirty="0"/>
               <a:t>RCAEA overview</a:t>
             </a:r>
-            <a:endParaRPr lang="en-US" dirty="0"/>
           </a:p>
           <a:p>
             <a:r>
@@ -13488,9 +13487,10 @@
           <a:p>
             <a:pPr algn="ctr"/>
             <a:r>
-              <a:rPr lang="en-US" sz="4000" dirty="0"/>
+              <a:rPr lang="en-US" sz="4000"/>
               <a:t>RCAEA</a:t>
             </a:r>
+            <a:endParaRPr lang="en-US" sz="4000" dirty="0"/>
           </a:p>
         </p:txBody>
       </p:sp>
@@ -13547,6 +13547,653 @@
           <a:chExt cx="0" cy="0"/>
         </a:xfrm>
       </p:grpSpPr>
+      <p:grpSp>
+        <p:nvGrpSpPr>
+          <p:cNvPr id="7" name="Group 6"/>
+          <p:cNvGrpSpPr>
+            <a:grpSpLocks noGrp="1" noUngrp="1" noRot="1" noChangeAspect="1" noMove="1" noResize="1"/>
+          </p:cNvGrpSpPr>
+          <p:nvPr>
+            <p:extLst>
+              <p:ext uri="{386F3935-93C4-4BCD-93E2-E3B085C9AB24}">
+                <p16:designElem xmlns:p16="http://schemas.microsoft.com/office/powerpoint/2015/main" val="1"/>
+              </p:ext>
+            </p:extLst>
+          </p:nvPr>
+        </p:nvGrpSpPr>
+        <p:grpSpPr>
+          <a:xfrm>
+            <a:off x="0" y="0"/>
+            <a:ext cx="12193588" cy="6866790"/>
+            <a:chOff x="0" y="0"/>
+            <a:chExt cx="12193588" cy="6866790"/>
+          </a:xfrm>
+        </p:grpSpPr>
+        <p:sp>
+          <p:nvSpPr>
+            <p:cNvPr id="8" name="Rectangle 7"/>
+            <p:cNvSpPr/>
+            <p:nvPr>
+              <p:extLst>
+                <p:ext uri="{386F3935-93C4-4BCD-93E2-E3B085C9AB24}">
+                  <p16:designElem xmlns:p16="http://schemas.microsoft.com/office/powerpoint/2015/main" val="1"/>
+                </p:ext>
+              </p:extLst>
+            </p:nvPr>
+          </p:nvSpPr>
+          <p:spPr>
+            <a:xfrm>
+              <a:off x="1588" y="8790"/>
+              <a:ext cx="12192000" cy="6858000"/>
+            </a:xfrm>
+            <a:prstGeom prst="rect">
+              <a:avLst/>
+            </a:prstGeom>
+            <a:blipFill>
+              <a:blip r:embed="rId3">
+                <a:duotone>
+                  <a:schemeClr val="dk2">
+                    <a:shade val="69000"/>
+                    <a:hueMod val="108000"/>
+                    <a:satMod val="164000"/>
+                    <a:lumMod val="74000"/>
+                  </a:schemeClr>
+                  <a:schemeClr val="dk2">
+                    <a:tint val="96000"/>
+                    <a:hueMod val="88000"/>
+                    <a:satMod val="140000"/>
+                    <a:lumMod val="132000"/>
+                  </a:schemeClr>
+                </a:duotone>
+              </a:blip>
+              <a:stretch>
+                <a:fillRect/>
+              </a:stretch>
+            </a:blipFill>
+            <a:ln>
+              <a:noFill/>
+            </a:ln>
+          </p:spPr>
+          <p:style>
+            <a:lnRef idx="2">
+              <a:schemeClr val="accent1">
+                <a:shade val="50000"/>
+              </a:schemeClr>
+            </a:lnRef>
+            <a:fillRef idx="1">
+              <a:schemeClr val="accent1"/>
+            </a:fillRef>
+            <a:effectRef idx="0">
+              <a:schemeClr val="accent1"/>
+            </a:effectRef>
+            <a:fontRef idx="minor">
+              <a:schemeClr val="lt1"/>
+            </a:fontRef>
+          </p:style>
+        </p:sp>
+        <p:sp>
+          <p:nvSpPr>
+            <p:cNvPr id="9" name="Freeform 5"/>
+            <p:cNvSpPr>
+              <a:spLocks noEditPoints="1"/>
+            </p:cNvSpPr>
+            <p:nvPr>
+              <p:extLst>
+                <p:ext uri="{386F3935-93C4-4BCD-93E2-E3B085C9AB24}">
+                  <p16:designElem xmlns:p16="http://schemas.microsoft.com/office/powerpoint/2015/main" val="1"/>
+                </p:ext>
+              </p:extLst>
+            </p:nvPr>
+          </p:nvSpPr>
+          <p:spPr bwMode="gray">
+            <a:xfrm>
+              <a:off x="0" y="10377"/>
+              <a:ext cx="12192000" cy="6856413"/>
+            </a:xfrm>
+            <a:custGeom>
+              <a:avLst/>
+              <a:gdLst/>
+              <a:ahLst/>
+              <a:cxnLst/>
+              <a:rect l="0" t="0" r="r" b="b"/>
+              <a:pathLst>
+                <a:path w="15356" h="8638">
+                  <a:moveTo>
+                    <a:pt x="0" y="0"/>
+                  </a:moveTo>
+                  <a:lnTo>
+                    <a:pt x="0" y="8638"/>
+                  </a:lnTo>
+                  <a:lnTo>
+                    <a:pt x="15356" y="8638"/>
+                  </a:lnTo>
+                  <a:lnTo>
+                    <a:pt x="15356" y="0"/>
+                  </a:lnTo>
+                  <a:lnTo>
+                    <a:pt x="0" y="0"/>
+                  </a:lnTo>
+                  <a:close/>
+                  <a:moveTo>
+                    <a:pt x="14748" y="8038"/>
+                  </a:moveTo>
+                  <a:lnTo>
+                    <a:pt x="600" y="8038"/>
+                  </a:lnTo>
+                  <a:lnTo>
+                    <a:pt x="600" y="592"/>
+                  </a:lnTo>
+                  <a:lnTo>
+                    <a:pt x="14748" y="592"/>
+                  </a:lnTo>
+                  <a:lnTo>
+                    <a:pt x="14748" y="8038"/>
+                  </a:lnTo>
+                  <a:close/>
+                </a:path>
+              </a:pathLst>
+            </a:custGeom>
+            <a:solidFill>
+              <a:schemeClr val="bg1"/>
+            </a:solidFill>
+            <a:ln>
+              <a:noFill/>
+            </a:ln>
+          </p:spPr>
+        </p:sp>
+        <p:sp>
+          <p:nvSpPr>
+            <p:cNvPr id="10" name="Freeform 5"/>
+            <p:cNvSpPr/>
+            <p:nvPr>
+              <p:extLst>
+                <p:ext uri="{386F3935-93C4-4BCD-93E2-E3B085C9AB24}">
+                  <p16:designElem xmlns:p16="http://schemas.microsoft.com/office/powerpoint/2015/main" val="1"/>
+                </p:ext>
+              </p:extLst>
+            </p:nvPr>
+          </p:nvSpPr>
+          <p:spPr bwMode="gray">
+            <a:xfrm rot="16200000">
+              <a:off x="4852752" y="2783987"/>
+              <a:ext cx="6053670" cy="1254558"/>
+            </a:xfrm>
+            <a:custGeom>
+              <a:avLst/>
+              <a:gdLst/>
+              <a:ahLst/>
+              <a:cxnLst/>
+              <a:rect l="l" t="t" r="r" b="b"/>
+              <a:pathLst>
+                <a:path w="10000" h="8000">
+                  <a:moveTo>
+                    <a:pt x="0" y="0"/>
+                  </a:moveTo>
+                  <a:lnTo>
+                    <a:pt x="0" y="7970"/>
+                  </a:lnTo>
+                  <a:lnTo>
+                    <a:pt x="10000" y="8000"/>
+                  </a:lnTo>
+                  <a:lnTo>
+                    <a:pt x="10000" y="7"/>
+                  </a:lnTo>
+                  <a:lnTo>
+                    <a:pt x="10000" y="7"/>
+                  </a:lnTo>
+                  <a:lnTo>
+                    <a:pt x="9773" y="156"/>
+                  </a:lnTo>
+                  <a:lnTo>
+                    <a:pt x="9547" y="298"/>
+                  </a:lnTo>
+                  <a:lnTo>
+                    <a:pt x="9320" y="437"/>
+                  </a:lnTo>
+                  <a:lnTo>
+                    <a:pt x="9092" y="556"/>
+                  </a:lnTo>
+                  <a:lnTo>
+                    <a:pt x="8865" y="676"/>
+                  </a:lnTo>
+                  <a:lnTo>
+                    <a:pt x="8637" y="788"/>
+                  </a:lnTo>
+                  <a:lnTo>
+                    <a:pt x="8412" y="884"/>
+                  </a:lnTo>
+                  <a:lnTo>
+                    <a:pt x="8184" y="975"/>
+                  </a:lnTo>
+                  <a:lnTo>
+                    <a:pt x="7957" y="1058"/>
+                  </a:lnTo>
+                  <a:lnTo>
+                    <a:pt x="7734" y="1130"/>
+                  </a:lnTo>
+                  <a:lnTo>
+                    <a:pt x="7508" y="1202"/>
+                  </a:lnTo>
+                  <a:lnTo>
+                    <a:pt x="7285" y="1262"/>
+                  </a:lnTo>
+                  <a:lnTo>
+                    <a:pt x="7062" y="1309"/>
+                  </a:lnTo>
+                  <a:lnTo>
+                    <a:pt x="6840" y="1358"/>
+                  </a:lnTo>
+                  <a:lnTo>
+                    <a:pt x="6620" y="1399"/>
+                  </a:lnTo>
+                  <a:lnTo>
+                    <a:pt x="6402" y="1428"/>
+                  </a:lnTo>
+                  <a:lnTo>
+                    <a:pt x="6184" y="1453"/>
+                  </a:lnTo>
+                  <a:lnTo>
+                    <a:pt x="5968" y="1477"/>
+                  </a:lnTo>
+                  <a:lnTo>
+                    <a:pt x="5755" y="1488"/>
+                  </a:lnTo>
+                  <a:lnTo>
+                    <a:pt x="5542" y="1500"/>
+                  </a:lnTo>
+                  <a:lnTo>
+                    <a:pt x="5332" y="1506"/>
+                  </a:lnTo>
+                  <a:lnTo>
+                    <a:pt x="5124" y="1500"/>
+                  </a:lnTo>
+                  <a:lnTo>
+                    <a:pt x="4918" y="1500"/>
+                  </a:lnTo>
+                  <a:lnTo>
+                    <a:pt x="4714" y="1488"/>
+                  </a:lnTo>
+                  <a:lnTo>
+                    <a:pt x="4514" y="1470"/>
+                  </a:lnTo>
+                  <a:lnTo>
+                    <a:pt x="4316" y="1453"/>
+                  </a:lnTo>
+                  <a:lnTo>
+                    <a:pt x="4122" y="1434"/>
+                  </a:lnTo>
+                  <a:lnTo>
+                    <a:pt x="3929" y="1405"/>
+                  </a:lnTo>
+                  <a:lnTo>
+                    <a:pt x="3739" y="1374"/>
+                  </a:lnTo>
+                  <a:lnTo>
+                    <a:pt x="3553" y="1346"/>
+                  </a:lnTo>
+                  <a:lnTo>
+                    <a:pt x="3190" y="1267"/>
+                  </a:lnTo>
+                  <a:lnTo>
+                    <a:pt x="2842" y="1183"/>
+                  </a:lnTo>
+                  <a:lnTo>
+                    <a:pt x="2508" y="1095"/>
+                  </a:lnTo>
+                  <a:lnTo>
+                    <a:pt x="2192" y="998"/>
+                  </a:lnTo>
+                  <a:lnTo>
+                    <a:pt x="1890" y="897"/>
+                  </a:lnTo>
+                  <a:lnTo>
+                    <a:pt x="1610" y="788"/>
+                  </a:lnTo>
+                  <a:lnTo>
+                    <a:pt x="1347" y="681"/>
+                  </a:lnTo>
+                  <a:lnTo>
+                    <a:pt x="1105" y="574"/>
+                  </a:lnTo>
+                  <a:lnTo>
+                    <a:pt x="883" y="473"/>
+                  </a:lnTo>
+                  <a:lnTo>
+                    <a:pt x="686" y="377"/>
+                  </a:lnTo>
+                  <a:lnTo>
+                    <a:pt x="508" y="286"/>
+                  </a:lnTo>
+                  <a:lnTo>
+                    <a:pt x="358" y="210"/>
+                  </a:lnTo>
+                  <a:lnTo>
+                    <a:pt x="232" y="138"/>
+                  </a:lnTo>
+                  <a:lnTo>
+                    <a:pt x="59" y="35"/>
+                  </a:lnTo>
+                  <a:lnTo>
+                    <a:pt x="0" y="0"/>
+                  </a:lnTo>
+                  <a:lnTo>
+                    <a:pt x="0" y="0"/>
+                  </a:lnTo>
+                  <a:close/>
+                </a:path>
+              </a:pathLst>
+            </a:custGeom>
+            <a:solidFill>
+              <a:schemeClr val="bg1"/>
+            </a:solidFill>
+            <a:ln>
+              <a:noFill/>
+            </a:ln>
+          </p:spPr>
+        </p:sp>
+        <p:sp>
+          <p:nvSpPr>
+            <p:cNvPr id="11" name="Freeform 5"/>
+            <p:cNvSpPr/>
+            <p:nvPr>
+              <p:extLst>
+                <p:ext uri="{386F3935-93C4-4BCD-93E2-E3B085C9AB24}">
+                  <p16:designElem xmlns:p16="http://schemas.microsoft.com/office/powerpoint/2015/main" val="1"/>
+                </p:ext>
+              </p:extLst>
+            </p:nvPr>
+          </p:nvSpPr>
+          <p:spPr bwMode="gray">
+            <a:xfrm rot="15922489">
+              <a:off x="5760914" y="1808344"/>
+              <a:ext cx="3299407" cy="440924"/>
+            </a:xfrm>
+            <a:custGeom>
+              <a:avLst/>
+              <a:gdLst/>
+              <a:ahLst/>
+              <a:cxnLst/>
+              <a:rect l="l" t="t" r="r" b="b"/>
+              <a:pathLst>
+                <a:path w="10000" h="5291">
+                  <a:moveTo>
+                    <a:pt x="85" y="2532"/>
+                  </a:moveTo>
+                  <a:cubicBezTo>
+                    <a:pt x="1736" y="3911"/>
+                    <a:pt x="7524" y="5298"/>
+                    <a:pt x="9958" y="5291"/>
+                  </a:cubicBezTo>
+                  <a:cubicBezTo>
+                    <a:pt x="9989" y="1958"/>
+                    <a:pt x="9969" y="3333"/>
+                    <a:pt x="10000" y="0"/>
+                  </a:cubicBezTo>
+                  <a:lnTo>
+                    <a:pt x="10000" y="0"/>
+                  </a:lnTo>
+                  <a:lnTo>
+                    <a:pt x="9667" y="204"/>
+                  </a:lnTo>
+                  <a:lnTo>
+                    <a:pt x="9334" y="400"/>
+                  </a:lnTo>
+                  <a:lnTo>
+                    <a:pt x="9001" y="590"/>
+                  </a:lnTo>
+                  <a:lnTo>
+                    <a:pt x="8667" y="753"/>
+                  </a:lnTo>
+                  <a:lnTo>
+                    <a:pt x="8333" y="917"/>
+                  </a:lnTo>
+                  <a:lnTo>
+                    <a:pt x="7999" y="1071"/>
+                  </a:lnTo>
+                  <a:lnTo>
+                    <a:pt x="7669" y="1202"/>
+                  </a:lnTo>
+                  <a:lnTo>
+                    <a:pt x="7333" y="1325"/>
+                  </a:lnTo>
+                  <a:lnTo>
+                    <a:pt x="7000" y="1440"/>
+                  </a:lnTo>
+                  <a:lnTo>
+                    <a:pt x="6673" y="1538"/>
+                  </a:lnTo>
+                  <a:lnTo>
+                    <a:pt x="6340" y="1636"/>
+                  </a:lnTo>
+                  <a:lnTo>
+                    <a:pt x="6013" y="1719"/>
+                  </a:lnTo>
+                  <a:lnTo>
+                    <a:pt x="5686" y="1784"/>
+                  </a:lnTo>
+                  <a:lnTo>
+                    <a:pt x="5359" y="1850"/>
+                  </a:lnTo>
+                  <a:lnTo>
+                    <a:pt x="5036" y="1906"/>
+                  </a:lnTo>
+                  <a:lnTo>
+                    <a:pt x="4717" y="1948"/>
+                  </a:lnTo>
+                  <a:lnTo>
+                    <a:pt x="4396" y="1980"/>
+                  </a:lnTo>
+                  <a:lnTo>
+                    <a:pt x="4079" y="2013"/>
+                  </a:lnTo>
+                  <a:lnTo>
+                    <a:pt x="3766" y="2029"/>
+                  </a:lnTo>
+                  <a:lnTo>
+                    <a:pt x="3454" y="2046"/>
+                  </a:lnTo>
+                  <a:lnTo>
+                    <a:pt x="3145" y="2053"/>
+                  </a:lnTo>
+                  <a:lnTo>
+                    <a:pt x="2839" y="2046"/>
+                  </a:lnTo>
+                  <a:lnTo>
+                    <a:pt x="2537" y="2046"/>
+                  </a:lnTo>
+                  <a:lnTo>
+                    <a:pt x="2238" y="2029"/>
+                  </a:lnTo>
+                  <a:lnTo>
+                    <a:pt x="1943" y="2004"/>
+                  </a:lnTo>
+                  <a:lnTo>
+                    <a:pt x="1653" y="1980"/>
+                  </a:lnTo>
+                  <a:lnTo>
+                    <a:pt x="1368" y="1955"/>
+                  </a:lnTo>
+                  <a:lnTo>
+                    <a:pt x="1085" y="1915"/>
+                  </a:lnTo>
+                  <a:lnTo>
+                    <a:pt x="806" y="1873"/>
+                  </a:lnTo>
+                  <a:lnTo>
+                    <a:pt x="533" y="1833"/>
+                  </a:lnTo>
+                  <a:lnTo>
+                    <a:pt x="0" y="1726"/>
+                  </a:lnTo>
+                  <a:cubicBezTo>
+                    <a:pt x="28" y="1995"/>
+                    <a:pt x="57" y="2263"/>
+                    <a:pt x="85" y="2532"/>
+                  </a:cubicBezTo>
+                  <a:close/>
+                </a:path>
+              </a:pathLst>
+            </a:custGeom>
+            <a:solidFill>
+              <a:schemeClr val="bg1">
+                <a:alpha val="20000"/>
+              </a:schemeClr>
+            </a:solidFill>
+            <a:ln>
+              <a:noFill/>
+            </a:ln>
+          </p:spPr>
+        </p:sp>
+        <p:sp>
+          <p:nvSpPr>
+            <p:cNvPr id="12" name="Rectangle 11"/>
+            <p:cNvSpPr/>
+            <p:nvPr>
+              <p:extLst>
+                <p:ext uri="{386F3935-93C4-4BCD-93E2-E3B085C9AB24}">
+                  <p16:designElem xmlns:p16="http://schemas.microsoft.com/office/powerpoint/2015/main" val="1"/>
+                </p:ext>
+              </p:extLst>
+            </p:nvPr>
+          </p:nvSpPr>
+          <p:spPr>
+            <a:xfrm>
+              <a:off x="7763389" y="0"/>
+              <a:ext cx="4428611" cy="6858000"/>
+            </a:xfrm>
+            <a:prstGeom prst="rect">
+              <a:avLst/>
+            </a:prstGeom>
+            <a:solidFill>
+              <a:schemeClr val="bg1"/>
+            </a:solidFill>
+            <a:ln>
+              <a:noFill/>
+            </a:ln>
+          </p:spPr>
+          <p:style>
+            <a:lnRef idx="2">
+              <a:schemeClr val="accent1">
+                <a:shade val="50000"/>
+              </a:schemeClr>
+            </a:lnRef>
+            <a:fillRef idx="1">
+              <a:schemeClr val="accent1"/>
+            </a:fillRef>
+            <a:effectRef idx="0">
+              <a:schemeClr val="accent1"/>
+            </a:effectRef>
+            <a:fontRef idx="minor">
+              <a:schemeClr val="lt1"/>
+            </a:fontRef>
+          </p:style>
+          <p:txBody>
+            <a:bodyPr rtlCol="0" anchor="ctr"/>
+            <a:lstStyle/>
+            <a:p>
+              <a:pPr marL="0" marR="0" lvl="0" indent="0" algn="ctr" defTabSz="914400" rtl="0" eaLnBrk="1" fontAlgn="auto" latinLnBrk="0" hangingPunct="1">
+                <a:lnSpc>
+                  <a:spcPct val="100000"/>
+                </a:lnSpc>
+                <a:spcBef>
+                  <a:spcPts val="0"/>
+                </a:spcBef>
+                <a:spcAft>
+                  <a:spcPts val="0"/>
+                </a:spcAft>
+                <a:buClrTx/>
+                <a:buSzTx/>
+                <a:buFontTx/>
+                <a:buNone/>
+                <a:tabLst/>
+                <a:defRPr/>
+              </a:pPr>
+              <a:endParaRPr kumimoji="0" lang="en-US" sz="1800" b="0" i="0" u="none" strike="noStrike" kern="1200" cap="none" spc="0" normalizeH="0" baseline="0" noProof="0">
+                <a:ln>
+                  <a:noFill/>
+                </a:ln>
+                <a:solidFill>
+                  <a:prstClr val="white"/>
+                </a:solidFill>
+                <a:effectLst/>
+                <a:uLnTx/>
+                <a:uFillTx/>
+                <a:latin typeface="Century Gothic" panose="020B0502020202020204"/>
+                <a:ea typeface="+mn-ea"/>
+                <a:cs typeface="+mn-cs"/>
+              </a:endParaRPr>
+            </a:p>
+          </p:txBody>
+        </p:sp>
+      </p:grpSp>
+      <p:pic>
+        <p:nvPicPr>
+          <p:cNvPr id="3" name="Picture 2"/>
+          <p:cNvPicPr>
+            <a:picLocks noChangeAspect="1"/>
+          </p:cNvPicPr>
+          <p:nvPr/>
+        </p:nvPicPr>
+        <p:blipFill>
+          <a:blip r:embed="rId4"/>
+          <a:stretch>
+            <a:fillRect/>
+          </a:stretch>
+        </p:blipFill>
+        <p:spPr>
+          <a:xfrm>
+            <a:off x="7864220" y="1598129"/>
+            <a:ext cx="3679323" cy="3679323"/>
+          </a:xfrm>
+          <a:prstGeom prst="rect">
+            <a:avLst/>
+          </a:prstGeom>
+        </p:spPr>
+      </p:pic>
+      <p:sp>
+        <p:nvSpPr>
+          <p:cNvPr id="13" name="Rectangle 12"/>
+          <p:cNvSpPr>
+            <a:spLocks noGrp="1" noRot="1" noChangeAspect="1" noMove="1" noResize="1" noEditPoints="1" noAdjustHandles="1" noChangeArrowheads="1" noChangeShapeType="1" noTextEdit="1"/>
+          </p:cNvSpPr>
+          <p:nvPr>
+            <p:extLst>
+              <p:ext uri="{386F3935-93C4-4BCD-93E2-E3B085C9AB24}">
+                <p16:designElem xmlns:p16="http://schemas.microsoft.com/office/powerpoint/2015/main" val="1"/>
+              </p:ext>
+            </p:extLst>
+          </p:nvPr>
+        </p:nvSpPr>
+        <p:spPr>
+          <a:xfrm>
+            <a:off x="10437812" y="0"/>
+            <a:ext cx="685800" cy="1143000"/>
+          </a:xfrm>
+          <a:prstGeom prst="rect">
+            <a:avLst/>
+          </a:prstGeom>
+          <a:solidFill>
+            <a:schemeClr val="accent1"/>
+          </a:solidFill>
+          <a:ln>
+            <a:noFill/>
+          </a:ln>
+        </p:spPr>
+        <p:style>
+          <a:lnRef idx="1">
+            <a:schemeClr val="accent1"/>
+          </a:lnRef>
+          <a:fillRef idx="3">
+            <a:schemeClr val="accent1"/>
+          </a:fillRef>
+          <a:effectRef idx="2">
+            <a:schemeClr val="accent1"/>
+          </a:effectRef>
+          <a:fontRef idx="minor">
+            <a:schemeClr val="lt1"/>
+          </a:fontRef>
+        </p:style>
+      </p:sp>
       <p:sp>
         <p:nvSpPr>
           <p:cNvPr id="2" name="Title 1"/>
@@ -13559,24 +14206,20 @@
         </p:nvSpPr>
         <p:spPr>
           <a:xfrm>
-            <a:off x="1154954" y="973669"/>
-            <a:ext cx="8825659" cy="988946"/>
+            <a:off x="639098" y="629265"/>
+            <a:ext cx="6417160" cy="1622322"/>
           </a:xfrm>
         </p:spPr>
         <p:txBody>
-          <a:bodyPr/>
+          <a:bodyPr>
+            <a:normAutofit/>
+          </a:bodyPr>
           <a:lstStyle/>
           <a:p>
-            <a:pPr algn="ctr"/>
             <a:r>
-              <a:rPr lang="en-US" sz="4000" dirty="0"/>
-              <a:t>RCAEA </a:t>
+              <a:rPr lang="en-US"/>
+              <a:t>RCAEA overview</a:t>
             </a:r>
-            <a:r>
-              <a:rPr lang="en-US" sz="4000" dirty="0"/>
-              <a:t>overview</a:t>
-            </a:r>
-            <a:endParaRPr lang="en-US" sz="4000" dirty="0"/>
           </a:p>
         </p:txBody>
       </p:sp>
@@ -13590,19 +14233,34 @@
             <p:ph idx="1"/>
           </p:nvPr>
         </p:nvSpPr>
-        <p:spPr/>
+        <p:spPr>
+          <a:xfrm>
+            <a:off x="639098" y="2418735"/>
+            <a:ext cx="6417160" cy="3811740"/>
+          </a:xfrm>
+        </p:spPr>
         <p:txBody>
-          <a:bodyPr/>
+          <a:bodyPr anchor="ctr">
+            <a:normAutofit/>
+          </a:bodyPr>
           <a:lstStyle/>
           <a:p>
             <a:pPr marL="0" indent="0">
               <a:buNone/>
             </a:pPr>
-            <a:endParaRPr lang="en-US" dirty="0"/>
+            <a:endParaRPr lang="en-US">
+              <a:solidFill>
+                <a:schemeClr val="bg1"/>
+              </a:solidFill>
+            </a:endParaRPr>
           </a:p>
           <a:p>
             <a:r>
-              <a:rPr lang="en-US" dirty="0"/>
+              <a:rPr lang="en-US">
+                <a:solidFill>
+                  <a:schemeClr val="bg1"/>
+                </a:solidFill>
+              </a:rPr>
               <a:t>to simulate cultivating specific crop(s) in an area of land during a certain length of time</a:t>
             </a:r>
           </a:p>
@@ -13610,17 +14268,29 @@
             <a:pPr marL="0" indent="0">
               <a:buNone/>
             </a:pPr>
-            <a:endParaRPr lang="en-US" dirty="0"/>
+            <a:endParaRPr lang="en-US">
+              <a:solidFill>
+                <a:schemeClr val="bg1"/>
+              </a:solidFill>
+            </a:endParaRPr>
           </a:p>
           <a:p>
             <a:pPr marL="0" indent="0">
               <a:buNone/>
             </a:pPr>
-            <a:endParaRPr lang="en-US" dirty="0"/>
+            <a:endParaRPr lang="en-US">
+              <a:solidFill>
+                <a:schemeClr val="bg1"/>
+              </a:solidFill>
+            </a:endParaRPr>
           </a:p>
           <a:p>
             <a:r>
-              <a:rPr lang="en-US" dirty="0"/>
+              <a:rPr lang="en-US">
+                <a:solidFill>
+                  <a:schemeClr val="bg1"/>
+                </a:solidFill>
+              </a:rPr>
               <a:t>to use RCAEA in order to determine when, where, and what crops to place in a specified piece of land</a:t>
             </a:r>
           </a:p>
@@ -13656,6 +14326,678 @@
           <a:chExt cx="0" cy="0"/>
         </a:xfrm>
       </p:grpSpPr>
+      <p:grpSp>
+        <p:nvGrpSpPr>
+          <p:cNvPr id="22" name="Group 6"/>
+          <p:cNvGrpSpPr>
+            <a:grpSpLocks noGrp="1" noUngrp="1" noRot="1" noChangeAspect="1" noMove="1" noResize="1"/>
+          </p:cNvGrpSpPr>
+          <p:nvPr>
+            <p:extLst>
+              <p:ext uri="{386F3935-93C4-4BCD-93E2-E3B085C9AB24}">
+                <p16:designElem xmlns:p16="http://schemas.microsoft.com/office/powerpoint/2015/main" val="1"/>
+              </p:ext>
+            </p:extLst>
+          </p:nvPr>
+        </p:nvGrpSpPr>
+        <p:grpSpPr>
+          <a:xfrm>
+            <a:off x="-1588" y="0"/>
+            <a:ext cx="12193588" cy="6858000"/>
+            <a:chOff x="-1588" y="0"/>
+            <a:chExt cx="12193588" cy="6858000"/>
+          </a:xfrm>
+        </p:grpSpPr>
+        <p:sp>
+          <p:nvSpPr>
+            <p:cNvPr id="8" name="Rectangle 7"/>
+            <p:cNvSpPr/>
+            <p:nvPr>
+              <p:extLst>
+                <p:ext uri="{386F3935-93C4-4BCD-93E2-E3B085C9AB24}">
+                  <p16:designElem xmlns:p16="http://schemas.microsoft.com/office/powerpoint/2015/main" val="1"/>
+                </p:ext>
+              </p:extLst>
+            </p:nvPr>
+          </p:nvSpPr>
+          <p:spPr>
+            <a:xfrm>
+              <a:off x="0" y="0"/>
+              <a:ext cx="12192000" cy="6858000"/>
+            </a:xfrm>
+            <a:prstGeom prst="rect">
+              <a:avLst/>
+            </a:prstGeom>
+            <a:blipFill>
+              <a:blip r:embed="rId3">
+                <a:duotone>
+                  <a:schemeClr val="dk2">
+                    <a:shade val="69000"/>
+                    <a:hueMod val="108000"/>
+                    <a:satMod val="164000"/>
+                    <a:lumMod val="74000"/>
+                  </a:schemeClr>
+                  <a:schemeClr val="dk2">
+                    <a:tint val="96000"/>
+                    <a:hueMod val="88000"/>
+                    <a:satMod val="140000"/>
+                    <a:lumMod val="132000"/>
+                  </a:schemeClr>
+                </a:duotone>
+              </a:blip>
+              <a:stretch>
+                <a:fillRect/>
+              </a:stretch>
+            </a:blipFill>
+            <a:ln>
+              <a:noFill/>
+            </a:ln>
+          </p:spPr>
+          <p:style>
+            <a:lnRef idx="2">
+              <a:schemeClr val="accent1">
+                <a:shade val="50000"/>
+              </a:schemeClr>
+            </a:lnRef>
+            <a:fillRef idx="1">
+              <a:schemeClr val="accent1"/>
+            </a:fillRef>
+            <a:effectRef idx="0">
+              <a:schemeClr val="accent1"/>
+            </a:effectRef>
+            <a:fontRef idx="minor">
+              <a:schemeClr val="lt1"/>
+            </a:fontRef>
+          </p:style>
+        </p:sp>
+        <p:sp>
+          <p:nvSpPr>
+            <p:cNvPr id="9" name="Oval 8"/>
+            <p:cNvSpPr/>
+            <p:nvPr>
+              <p:extLst>
+                <p:ext uri="{386F3935-93C4-4BCD-93E2-E3B085C9AB24}">
+                  <p16:designElem xmlns:p16="http://schemas.microsoft.com/office/powerpoint/2015/main" val="1"/>
+                </p:ext>
+              </p:extLst>
+            </p:nvPr>
+          </p:nvSpPr>
+          <p:spPr>
+            <a:xfrm>
+              <a:off x="-1588" y="2667000"/>
+              <a:ext cx="4191000" cy="4191000"/>
+            </a:xfrm>
+            <a:prstGeom prst="ellipse">
+              <a:avLst/>
+            </a:prstGeom>
+            <a:gradFill flip="none" rotWithShape="1">
+              <a:gsLst>
+                <a:gs pos="0">
+                  <a:schemeClr val="accent5">
+                    <a:alpha val="11000"/>
+                  </a:schemeClr>
+                </a:gs>
+                <a:gs pos="75000">
+                  <a:schemeClr val="accent5">
+                    <a:alpha val="0"/>
+                  </a:schemeClr>
+                </a:gs>
+                <a:gs pos="36000">
+                  <a:schemeClr val="accent5">
+                    <a:alpha val="10000"/>
+                  </a:schemeClr>
+                </a:gs>
+              </a:gsLst>
+              <a:path path="circle">
+                <a:fillToRect l="50000" t="50000" r="50000" b="50000"/>
+              </a:path>
+              <a:tileRect/>
+            </a:gradFill>
+            <a:ln>
+              <a:noFill/>
+            </a:ln>
+            <a:effectLst/>
+          </p:spPr>
+          <p:style>
+            <a:lnRef idx="1">
+              <a:schemeClr val="accent1"/>
+            </a:lnRef>
+            <a:fillRef idx="3">
+              <a:schemeClr val="accent1"/>
+            </a:fillRef>
+            <a:effectRef idx="2">
+              <a:schemeClr val="accent1"/>
+            </a:effectRef>
+            <a:fontRef idx="minor">
+              <a:schemeClr val="lt1"/>
+            </a:fontRef>
+          </p:style>
+        </p:sp>
+        <p:sp>
+          <p:nvSpPr>
+            <p:cNvPr id="10" name="Rectangle 9"/>
+            <p:cNvSpPr/>
+            <p:nvPr>
+              <p:extLst>
+                <p:ext uri="{386F3935-93C4-4BCD-93E2-E3B085C9AB24}">
+                  <p16:designElem xmlns:p16="http://schemas.microsoft.com/office/powerpoint/2015/main" val="1"/>
+                </p:ext>
+              </p:extLst>
+            </p:nvPr>
+          </p:nvSpPr>
+          <p:spPr>
+            <a:xfrm>
+              <a:off x="6172200" y="402165"/>
+              <a:ext cx="5596465" cy="6053670"/>
+            </a:xfrm>
+            <a:prstGeom prst="rect">
+              <a:avLst/>
+            </a:prstGeom>
+            <a:solidFill>
+              <a:schemeClr val="bg1"/>
+            </a:solidFill>
+            <a:ln>
+              <a:noFill/>
+            </a:ln>
+            <a:effectLst/>
+          </p:spPr>
+          <p:style>
+            <a:lnRef idx="1">
+              <a:schemeClr val="accent1"/>
+            </a:lnRef>
+            <a:fillRef idx="3">
+              <a:schemeClr val="accent1"/>
+            </a:fillRef>
+            <a:effectRef idx="2">
+              <a:schemeClr val="accent1"/>
+            </a:effectRef>
+            <a:fontRef idx="minor">
+              <a:schemeClr val="lt1"/>
+            </a:fontRef>
+          </p:style>
+        </p:sp>
+        <p:sp>
+          <p:nvSpPr>
+            <p:cNvPr id="11" name="Freeform 5"/>
+            <p:cNvSpPr/>
+            <p:nvPr>
+              <p:extLst>
+                <p:ext uri="{386F3935-93C4-4BCD-93E2-E3B085C9AB24}">
+                  <p16:designElem xmlns:p16="http://schemas.microsoft.com/office/powerpoint/2015/main" val="1"/>
+                </p:ext>
+              </p:extLst>
+            </p:nvPr>
+          </p:nvSpPr>
+          <p:spPr bwMode="gray">
+            <a:xfrm rot="16200000">
+              <a:off x="3295432" y="2801721"/>
+              <a:ext cx="6053670" cy="1254558"/>
+            </a:xfrm>
+            <a:custGeom>
+              <a:avLst/>
+              <a:gdLst/>
+              <a:ahLst/>
+              <a:cxnLst/>
+              <a:rect l="l" t="t" r="r" b="b"/>
+              <a:pathLst>
+                <a:path w="10000" h="8000">
+                  <a:moveTo>
+                    <a:pt x="0" y="0"/>
+                  </a:moveTo>
+                  <a:lnTo>
+                    <a:pt x="0" y="7970"/>
+                  </a:lnTo>
+                  <a:lnTo>
+                    <a:pt x="10000" y="8000"/>
+                  </a:lnTo>
+                  <a:lnTo>
+                    <a:pt x="10000" y="7"/>
+                  </a:lnTo>
+                  <a:lnTo>
+                    <a:pt x="10000" y="7"/>
+                  </a:lnTo>
+                  <a:lnTo>
+                    <a:pt x="9773" y="156"/>
+                  </a:lnTo>
+                  <a:lnTo>
+                    <a:pt x="9547" y="298"/>
+                  </a:lnTo>
+                  <a:lnTo>
+                    <a:pt x="9320" y="437"/>
+                  </a:lnTo>
+                  <a:lnTo>
+                    <a:pt x="9092" y="556"/>
+                  </a:lnTo>
+                  <a:lnTo>
+                    <a:pt x="8865" y="676"/>
+                  </a:lnTo>
+                  <a:lnTo>
+                    <a:pt x="8637" y="788"/>
+                  </a:lnTo>
+                  <a:lnTo>
+                    <a:pt x="8412" y="884"/>
+                  </a:lnTo>
+                  <a:lnTo>
+                    <a:pt x="8184" y="975"/>
+                  </a:lnTo>
+                  <a:lnTo>
+                    <a:pt x="7957" y="1058"/>
+                  </a:lnTo>
+                  <a:lnTo>
+                    <a:pt x="7734" y="1130"/>
+                  </a:lnTo>
+                  <a:lnTo>
+                    <a:pt x="7508" y="1202"/>
+                  </a:lnTo>
+                  <a:lnTo>
+                    <a:pt x="7285" y="1262"/>
+                  </a:lnTo>
+                  <a:lnTo>
+                    <a:pt x="7062" y="1309"/>
+                  </a:lnTo>
+                  <a:lnTo>
+                    <a:pt x="6840" y="1358"/>
+                  </a:lnTo>
+                  <a:lnTo>
+                    <a:pt x="6620" y="1399"/>
+                  </a:lnTo>
+                  <a:lnTo>
+                    <a:pt x="6402" y="1428"/>
+                  </a:lnTo>
+                  <a:lnTo>
+                    <a:pt x="6184" y="1453"/>
+                  </a:lnTo>
+                  <a:lnTo>
+                    <a:pt x="5968" y="1477"/>
+                  </a:lnTo>
+                  <a:lnTo>
+                    <a:pt x="5755" y="1488"/>
+                  </a:lnTo>
+                  <a:lnTo>
+                    <a:pt x="5542" y="1500"/>
+                  </a:lnTo>
+                  <a:lnTo>
+                    <a:pt x="5332" y="1506"/>
+                  </a:lnTo>
+                  <a:lnTo>
+                    <a:pt x="5124" y="1500"/>
+                  </a:lnTo>
+                  <a:lnTo>
+                    <a:pt x="4918" y="1500"/>
+                  </a:lnTo>
+                  <a:lnTo>
+                    <a:pt x="4714" y="1488"/>
+                  </a:lnTo>
+                  <a:lnTo>
+                    <a:pt x="4514" y="1470"/>
+                  </a:lnTo>
+                  <a:lnTo>
+                    <a:pt x="4316" y="1453"/>
+                  </a:lnTo>
+                  <a:lnTo>
+                    <a:pt x="4122" y="1434"/>
+                  </a:lnTo>
+                  <a:lnTo>
+                    <a:pt x="3929" y="1405"/>
+                  </a:lnTo>
+                  <a:lnTo>
+                    <a:pt x="3739" y="1374"/>
+                  </a:lnTo>
+                  <a:lnTo>
+                    <a:pt x="3553" y="1346"/>
+                  </a:lnTo>
+                  <a:lnTo>
+                    <a:pt x="3190" y="1267"/>
+                  </a:lnTo>
+                  <a:lnTo>
+                    <a:pt x="2842" y="1183"/>
+                  </a:lnTo>
+                  <a:lnTo>
+                    <a:pt x="2508" y="1095"/>
+                  </a:lnTo>
+                  <a:lnTo>
+                    <a:pt x="2192" y="998"/>
+                  </a:lnTo>
+                  <a:lnTo>
+                    <a:pt x="1890" y="897"/>
+                  </a:lnTo>
+                  <a:lnTo>
+                    <a:pt x="1610" y="788"/>
+                  </a:lnTo>
+                  <a:lnTo>
+                    <a:pt x="1347" y="681"/>
+                  </a:lnTo>
+                  <a:lnTo>
+                    <a:pt x="1105" y="574"/>
+                  </a:lnTo>
+                  <a:lnTo>
+                    <a:pt x="883" y="473"/>
+                  </a:lnTo>
+                  <a:lnTo>
+                    <a:pt x="686" y="377"/>
+                  </a:lnTo>
+                  <a:lnTo>
+                    <a:pt x="508" y="286"/>
+                  </a:lnTo>
+                  <a:lnTo>
+                    <a:pt x="358" y="210"/>
+                  </a:lnTo>
+                  <a:lnTo>
+                    <a:pt x="232" y="138"/>
+                  </a:lnTo>
+                  <a:lnTo>
+                    <a:pt x="59" y="35"/>
+                  </a:lnTo>
+                  <a:lnTo>
+                    <a:pt x="0" y="0"/>
+                  </a:lnTo>
+                  <a:lnTo>
+                    <a:pt x="0" y="0"/>
+                  </a:lnTo>
+                  <a:close/>
+                </a:path>
+              </a:pathLst>
+            </a:custGeom>
+            <a:solidFill>
+              <a:schemeClr val="bg1"/>
+            </a:solidFill>
+            <a:ln>
+              <a:noFill/>
+            </a:ln>
+          </p:spPr>
+        </p:sp>
+        <p:sp>
+          <p:nvSpPr>
+            <p:cNvPr id="12" name="Freeform 5"/>
+            <p:cNvSpPr/>
+            <p:nvPr>
+              <p:extLst>
+                <p:ext uri="{386F3935-93C4-4BCD-93E2-E3B085C9AB24}">
+                  <p16:designElem xmlns:p16="http://schemas.microsoft.com/office/powerpoint/2015/main" val="1"/>
+                </p:ext>
+              </p:extLst>
+            </p:nvPr>
+          </p:nvSpPr>
+          <p:spPr bwMode="gray">
+            <a:xfrm rot="15922489">
+              <a:off x="4203594" y="1826078"/>
+              <a:ext cx="3299407" cy="440924"/>
+            </a:xfrm>
+            <a:custGeom>
+              <a:avLst/>
+              <a:gdLst/>
+              <a:ahLst/>
+              <a:cxnLst/>
+              <a:rect l="l" t="t" r="r" b="b"/>
+              <a:pathLst>
+                <a:path w="10000" h="5291">
+                  <a:moveTo>
+                    <a:pt x="85" y="2532"/>
+                  </a:moveTo>
+                  <a:cubicBezTo>
+                    <a:pt x="1736" y="3911"/>
+                    <a:pt x="7524" y="5298"/>
+                    <a:pt x="9958" y="5291"/>
+                  </a:cubicBezTo>
+                  <a:cubicBezTo>
+                    <a:pt x="9989" y="1958"/>
+                    <a:pt x="9969" y="3333"/>
+                    <a:pt x="10000" y="0"/>
+                  </a:cubicBezTo>
+                  <a:lnTo>
+                    <a:pt x="10000" y="0"/>
+                  </a:lnTo>
+                  <a:lnTo>
+                    <a:pt x="9667" y="204"/>
+                  </a:lnTo>
+                  <a:lnTo>
+                    <a:pt x="9334" y="400"/>
+                  </a:lnTo>
+                  <a:lnTo>
+                    <a:pt x="9001" y="590"/>
+                  </a:lnTo>
+                  <a:lnTo>
+                    <a:pt x="8667" y="753"/>
+                  </a:lnTo>
+                  <a:lnTo>
+                    <a:pt x="8333" y="917"/>
+                  </a:lnTo>
+                  <a:lnTo>
+                    <a:pt x="7999" y="1071"/>
+                  </a:lnTo>
+                  <a:lnTo>
+                    <a:pt x="7669" y="1202"/>
+                  </a:lnTo>
+                  <a:lnTo>
+                    <a:pt x="7333" y="1325"/>
+                  </a:lnTo>
+                  <a:lnTo>
+                    <a:pt x="7000" y="1440"/>
+                  </a:lnTo>
+                  <a:lnTo>
+                    <a:pt x="6673" y="1538"/>
+                  </a:lnTo>
+                  <a:lnTo>
+                    <a:pt x="6340" y="1636"/>
+                  </a:lnTo>
+                  <a:lnTo>
+                    <a:pt x="6013" y="1719"/>
+                  </a:lnTo>
+                  <a:lnTo>
+                    <a:pt x="5686" y="1784"/>
+                  </a:lnTo>
+                  <a:lnTo>
+                    <a:pt x="5359" y="1850"/>
+                  </a:lnTo>
+                  <a:lnTo>
+                    <a:pt x="5036" y="1906"/>
+                  </a:lnTo>
+                  <a:lnTo>
+                    <a:pt x="4717" y="1948"/>
+                  </a:lnTo>
+                  <a:lnTo>
+                    <a:pt x="4396" y="1980"/>
+                  </a:lnTo>
+                  <a:lnTo>
+                    <a:pt x="4079" y="2013"/>
+                  </a:lnTo>
+                  <a:lnTo>
+                    <a:pt x="3766" y="2029"/>
+                  </a:lnTo>
+                  <a:lnTo>
+                    <a:pt x="3454" y="2046"/>
+                  </a:lnTo>
+                  <a:lnTo>
+                    <a:pt x="3145" y="2053"/>
+                  </a:lnTo>
+                  <a:lnTo>
+                    <a:pt x="2839" y="2046"/>
+                  </a:lnTo>
+                  <a:lnTo>
+                    <a:pt x="2537" y="2046"/>
+                  </a:lnTo>
+                  <a:lnTo>
+                    <a:pt x="2238" y="2029"/>
+                  </a:lnTo>
+                  <a:lnTo>
+                    <a:pt x="1943" y="2004"/>
+                  </a:lnTo>
+                  <a:lnTo>
+                    <a:pt x="1653" y="1980"/>
+                  </a:lnTo>
+                  <a:lnTo>
+                    <a:pt x="1368" y="1955"/>
+                  </a:lnTo>
+                  <a:lnTo>
+                    <a:pt x="1085" y="1915"/>
+                  </a:lnTo>
+                  <a:lnTo>
+                    <a:pt x="806" y="1873"/>
+                  </a:lnTo>
+                  <a:lnTo>
+                    <a:pt x="533" y="1833"/>
+                  </a:lnTo>
+                  <a:lnTo>
+                    <a:pt x="0" y="1726"/>
+                  </a:lnTo>
+                  <a:cubicBezTo>
+                    <a:pt x="28" y="1995"/>
+                    <a:pt x="57" y="2263"/>
+                    <a:pt x="85" y="2532"/>
+                  </a:cubicBezTo>
+                  <a:close/>
+                </a:path>
+              </a:pathLst>
+            </a:custGeom>
+            <a:solidFill>
+              <a:schemeClr val="bg1">
+                <a:alpha val="20000"/>
+              </a:schemeClr>
+            </a:solidFill>
+            <a:ln>
+              <a:noFill/>
+            </a:ln>
+          </p:spPr>
+        </p:sp>
+        <p:sp>
+          <p:nvSpPr>
+            <p:cNvPr id="13" name="Freeform 5"/>
+            <p:cNvSpPr>
+              <a:spLocks noEditPoints="1"/>
+            </p:cNvSpPr>
+            <p:nvPr>
+              <p:extLst>
+                <p:ext uri="{386F3935-93C4-4BCD-93E2-E3B085C9AB24}">
+                  <p16:designElem xmlns:p16="http://schemas.microsoft.com/office/powerpoint/2015/main" val="1"/>
+                </p:ext>
+              </p:extLst>
+            </p:nvPr>
+          </p:nvSpPr>
+          <p:spPr bwMode="gray">
+            <a:xfrm>
+              <a:off x="0" y="1587"/>
+              <a:ext cx="12192000" cy="6856413"/>
+            </a:xfrm>
+            <a:custGeom>
+              <a:avLst/>
+              <a:gdLst/>
+              <a:ahLst/>
+              <a:cxnLst/>
+              <a:rect l="0" t="0" r="r" b="b"/>
+              <a:pathLst>
+                <a:path w="15356" h="8638">
+                  <a:moveTo>
+                    <a:pt x="0" y="0"/>
+                  </a:moveTo>
+                  <a:lnTo>
+                    <a:pt x="0" y="8638"/>
+                  </a:lnTo>
+                  <a:lnTo>
+                    <a:pt x="15356" y="8638"/>
+                  </a:lnTo>
+                  <a:lnTo>
+                    <a:pt x="15356" y="0"/>
+                  </a:lnTo>
+                  <a:lnTo>
+                    <a:pt x="0" y="0"/>
+                  </a:lnTo>
+                  <a:close/>
+                  <a:moveTo>
+                    <a:pt x="14748" y="8038"/>
+                  </a:moveTo>
+                  <a:lnTo>
+                    <a:pt x="600" y="8038"/>
+                  </a:lnTo>
+                  <a:lnTo>
+                    <a:pt x="600" y="592"/>
+                  </a:lnTo>
+                  <a:lnTo>
+                    <a:pt x="14748" y="592"/>
+                  </a:lnTo>
+                  <a:lnTo>
+                    <a:pt x="14748" y="8038"/>
+                  </a:lnTo>
+                  <a:close/>
+                </a:path>
+              </a:pathLst>
+            </a:custGeom>
+            <a:solidFill>
+              <a:schemeClr val="bg1"/>
+            </a:solidFill>
+            <a:ln>
+              <a:noFill/>
+            </a:ln>
+          </p:spPr>
+        </p:sp>
+      </p:grpSp>
+      <p:pic>
+        <p:nvPicPr>
+          <p:cNvPr id="3" name="Picture 2"/>
+          <p:cNvPicPr>
+            <a:picLocks noChangeAspect="1"/>
+          </p:cNvPicPr>
+          <p:nvPr/>
+        </p:nvPicPr>
+        <p:blipFill>
+          <a:blip r:embed="rId4"/>
+          <a:stretch>
+            <a:fillRect/>
+          </a:stretch>
+        </p:blipFill>
+        <p:spPr>
+          <a:xfrm>
+            <a:off x="6172200" y="1732389"/>
+            <a:ext cx="5371343" cy="3410802"/>
+          </a:xfrm>
+          <a:prstGeom prst="rect">
+            <a:avLst/>
+          </a:prstGeom>
+        </p:spPr>
+      </p:pic>
+      <p:sp>
+        <p:nvSpPr>
+          <p:cNvPr id="14" name="Rectangle 13"/>
+          <p:cNvSpPr>
+            <a:spLocks noGrp="1" noRot="1" noChangeAspect="1" noMove="1" noResize="1" noEditPoints="1" noAdjustHandles="1" noChangeArrowheads="1" noChangeShapeType="1" noTextEdit="1"/>
+          </p:cNvSpPr>
+          <p:nvPr>
+            <p:extLst>
+              <p:ext uri="{386F3935-93C4-4BCD-93E2-E3B085C9AB24}">
+                <p16:designElem xmlns:p16="http://schemas.microsoft.com/office/powerpoint/2015/main" val="1"/>
+              </p:ext>
+            </p:extLst>
+          </p:nvPr>
+        </p:nvSpPr>
+        <p:spPr>
+          <a:xfrm>
+            <a:off x="10437812" y="0"/>
+            <a:ext cx="685800" cy="1143000"/>
+          </a:xfrm>
+          <a:prstGeom prst="rect">
+            <a:avLst/>
+          </a:prstGeom>
+          <a:solidFill>
+            <a:schemeClr val="accent1"/>
+          </a:solidFill>
+          <a:ln>
+            <a:noFill/>
+          </a:ln>
+        </p:spPr>
+        <p:style>
+          <a:lnRef idx="1">
+            <a:schemeClr val="accent1"/>
+          </a:lnRef>
+          <a:fillRef idx="3">
+            <a:schemeClr val="accent1"/>
+          </a:fillRef>
+          <a:effectRef idx="2">
+            <a:schemeClr val="accent1"/>
+          </a:effectRef>
+          <a:fontRef idx="minor">
+            <a:schemeClr val="lt1"/>
+          </a:fontRef>
+        </p:style>
+      </p:sp>
       <p:sp>
         <p:nvSpPr>
           <p:cNvPr id="2" name="Title 1"/>
@@ -13668,20 +15010,20 @@
         </p:nvSpPr>
         <p:spPr>
           <a:xfrm>
-            <a:off x="1154954" y="973669"/>
-            <a:ext cx="8825659" cy="988946"/>
+            <a:off x="639098" y="629265"/>
+            <a:ext cx="4886461" cy="1622322"/>
           </a:xfrm>
         </p:spPr>
         <p:txBody>
-          <a:bodyPr/>
+          <a:bodyPr>
+            <a:normAutofit/>
+          </a:bodyPr>
           <a:lstStyle/>
           <a:p>
-            <a:pPr algn="ctr"/>
             <a:r>
-              <a:rPr lang="en-US" sz="4000" dirty="0"/>
+              <a:rPr lang="en-US"/>
               <a:t> key features</a:t>
             </a:r>
-            <a:endParaRPr lang="en-US" sz="4000" dirty="0"/>
           </a:p>
         </p:txBody>
       </p:sp>
@@ -13695,39 +15037,64 @@
             <p:ph idx="1"/>
           </p:nvPr>
         </p:nvSpPr>
-        <p:spPr/>
+        <p:spPr>
+          <a:xfrm>
+            <a:off x="639098" y="2418735"/>
+            <a:ext cx="4886461" cy="3811742"/>
+          </a:xfrm>
+        </p:spPr>
         <p:txBody>
-          <a:bodyPr>
+          <a:bodyPr anchor="ctr">
             <a:normAutofit/>
           </a:bodyPr>
           <a:lstStyle/>
           <a:p>
             <a:r>
-              <a:rPr lang="en-US" dirty="0"/>
+              <a:rPr lang="en-US">
+                <a:solidFill>
+                  <a:schemeClr val="bg1"/>
+                </a:solidFill>
+              </a:rPr>
               <a:t>Easy to Save simulation</a:t>
             </a:r>
           </a:p>
           <a:p>
             <a:r>
-              <a:rPr lang="en-US" dirty="0"/>
+              <a:rPr lang="en-US">
+                <a:solidFill>
+                  <a:schemeClr val="bg1"/>
+                </a:solidFill>
+              </a:rPr>
               <a:t>Easy to load simulation</a:t>
             </a:r>
           </a:p>
           <a:p>
             <a:r>
-              <a:rPr lang="en-US" dirty="0"/>
+              <a:rPr lang="en-US">
+                <a:solidFill>
+                  <a:schemeClr val="bg1"/>
+                </a:solidFill>
+              </a:rPr>
               <a:t>Easy to visualize crop growth</a:t>
             </a:r>
           </a:p>
           <a:p>
             <a:r>
-              <a:rPr lang="en-US" dirty="0"/>
+              <a:rPr lang="en-US">
+                <a:solidFill>
+                  <a:schemeClr val="bg1"/>
+                </a:solidFill>
+              </a:rPr>
               <a:t>Easy to calculate harvesting cost</a:t>
             </a:r>
           </a:p>
           <a:p>
             <a:r>
-              <a:rPr lang="en-US" dirty="0"/>
+              <a:rPr lang="en-US">
+                <a:solidFill>
+                  <a:schemeClr val="bg1"/>
+                </a:solidFill>
+              </a:rPr>
               <a:t>Easy to calculate the profit</a:t>
             </a:r>
           </a:p>
@@ -13763,6 +15130,678 @@
           <a:chExt cx="0" cy="0"/>
         </a:xfrm>
       </p:grpSpPr>
+      <p:grpSp>
+        <p:nvGrpSpPr>
+          <p:cNvPr id="27" name="Group 7"/>
+          <p:cNvGrpSpPr>
+            <a:grpSpLocks noGrp="1" noUngrp="1" noRot="1" noChangeAspect="1" noMove="1" noResize="1"/>
+          </p:cNvGrpSpPr>
+          <p:nvPr>
+            <p:extLst>
+              <p:ext uri="{386F3935-93C4-4BCD-93E2-E3B085C9AB24}">
+                <p16:designElem xmlns:p16="http://schemas.microsoft.com/office/powerpoint/2015/main" val="1"/>
+              </p:ext>
+            </p:extLst>
+          </p:nvPr>
+        </p:nvGrpSpPr>
+        <p:grpSpPr>
+          <a:xfrm>
+            <a:off x="-1588" y="0"/>
+            <a:ext cx="12193588" cy="6858000"/>
+            <a:chOff x="-1588" y="0"/>
+            <a:chExt cx="12193588" cy="6858000"/>
+          </a:xfrm>
+        </p:grpSpPr>
+        <p:sp>
+          <p:nvSpPr>
+            <p:cNvPr id="9" name="Rectangle 8"/>
+            <p:cNvSpPr/>
+            <p:nvPr>
+              <p:extLst>
+                <p:ext uri="{386F3935-93C4-4BCD-93E2-E3B085C9AB24}">
+                  <p16:designElem xmlns:p16="http://schemas.microsoft.com/office/powerpoint/2015/main" val="1"/>
+                </p:ext>
+              </p:extLst>
+            </p:nvPr>
+          </p:nvSpPr>
+          <p:spPr>
+            <a:xfrm>
+              <a:off x="0" y="0"/>
+              <a:ext cx="12192000" cy="6858000"/>
+            </a:xfrm>
+            <a:prstGeom prst="rect">
+              <a:avLst/>
+            </a:prstGeom>
+            <a:blipFill>
+              <a:blip r:embed="rId3">
+                <a:duotone>
+                  <a:schemeClr val="dk2">
+                    <a:shade val="69000"/>
+                    <a:hueMod val="108000"/>
+                    <a:satMod val="164000"/>
+                    <a:lumMod val="74000"/>
+                  </a:schemeClr>
+                  <a:schemeClr val="dk2">
+                    <a:tint val="96000"/>
+                    <a:hueMod val="88000"/>
+                    <a:satMod val="140000"/>
+                    <a:lumMod val="132000"/>
+                  </a:schemeClr>
+                </a:duotone>
+              </a:blip>
+              <a:stretch>
+                <a:fillRect/>
+              </a:stretch>
+            </a:blipFill>
+            <a:ln>
+              <a:noFill/>
+            </a:ln>
+          </p:spPr>
+          <p:style>
+            <a:lnRef idx="2">
+              <a:schemeClr val="accent1">
+                <a:shade val="50000"/>
+              </a:schemeClr>
+            </a:lnRef>
+            <a:fillRef idx="1">
+              <a:schemeClr val="accent1"/>
+            </a:fillRef>
+            <a:effectRef idx="0">
+              <a:schemeClr val="accent1"/>
+            </a:effectRef>
+            <a:fontRef idx="minor">
+              <a:schemeClr val="lt1"/>
+            </a:fontRef>
+          </p:style>
+        </p:sp>
+        <p:sp>
+          <p:nvSpPr>
+            <p:cNvPr id="10" name="Oval 9"/>
+            <p:cNvSpPr/>
+            <p:nvPr>
+              <p:extLst>
+                <p:ext uri="{386F3935-93C4-4BCD-93E2-E3B085C9AB24}">
+                  <p16:designElem xmlns:p16="http://schemas.microsoft.com/office/powerpoint/2015/main" val="1"/>
+                </p:ext>
+              </p:extLst>
+            </p:nvPr>
+          </p:nvSpPr>
+          <p:spPr>
+            <a:xfrm>
+              <a:off x="-1588" y="2667000"/>
+              <a:ext cx="4191000" cy="4191000"/>
+            </a:xfrm>
+            <a:prstGeom prst="ellipse">
+              <a:avLst/>
+            </a:prstGeom>
+            <a:gradFill flip="none" rotWithShape="1">
+              <a:gsLst>
+                <a:gs pos="0">
+                  <a:schemeClr val="accent5">
+                    <a:alpha val="11000"/>
+                  </a:schemeClr>
+                </a:gs>
+                <a:gs pos="75000">
+                  <a:schemeClr val="accent5">
+                    <a:alpha val="0"/>
+                  </a:schemeClr>
+                </a:gs>
+                <a:gs pos="36000">
+                  <a:schemeClr val="accent5">
+                    <a:alpha val="10000"/>
+                  </a:schemeClr>
+                </a:gs>
+              </a:gsLst>
+              <a:path path="circle">
+                <a:fillToRect l="50000" t="50000" r="50000" b="50000"/>
+              </a:path>
+              <a:tileRect/>
+            </a:gradFill>
+            <a:ln>
+              <a:noFill/>
+            </a:ln>
+            <a:effectLst/>
+          </p:spPr>
+          <p:style>
+            <a:lnRef idx="1">
+              <a:schemeClr val="accent1"/>
+            </a:lnRef>
+            <a:fillRef idx="3">
+              <a:schemeClr val="accent1"/>
+            </a:fillRef>
+            <a:effectRef idx="2">
+              <a:schemeClr val="accent1"/>
+            </a:effectRef>
+            <a:fontRef idx="minor">
+              <a:schemeClr val="lt1"/>
+            </a:fontRef>
+          </p:style>
+        </p:sp>
+        <p:sp>
+          <p:nvSpPr>
+            <p:cNvPr id="11" name="Rectangle 10"/>
+            <p:cNvSpPr/>
+            <p:nvPr>
+              <p:extLst>
+                <p:ext uri="{386F3935-93C4-4BCD-93E2-E3B085C9AB24}">
+                  <p16:designElem xmlns:p16="http://schemas.microsoft.com/office/powerpoint/2015/main" val="1"/>
+                </p:ext>
+              </p:extLst>
+            </p:nvPr>
+          </p:nvSpPr>
+          <p:spPr>
+            <a:xfrm>
+              <a:off x="6172200" y="402165"/>
+              <a:ext cx="5596465" cy="6053670"/>
+            </a:xfrm>
+            <a:prstGeom prst="rect">
+              <a:avLst/>
+            </a:prstGeom>
+            <a:solidFill>
+              <a:schemeClr val="bg1"/>
+            </a:solidFill>
+            <a:ln>
+              <a:noFill/>
+            </a:ln>
+            <a:effectLst/>
+          </p:spPr>
+          <p:style>
+            <a:lnRef idx="1">
+              <a:schemeClr val="accent1"/>
+            </a:lnRef>
+            <a:fillRef idx="3">
+              <a:schemeClr val="accent1"/>
+            </a:fillRef>
+            <a:effectRef idx="2">
+              <a:schemeClr val="accent1"/>
+            </a:effectRef>
+            <a:fontRef idx="minor">
+              <a:schemeClr val="lt1"/>
+            </a:fontRef>
+          </p:style>
+        </p:sp>
+        <p:sp>
+          <p:nvSpPr>
+            <p:cNvPr id="12" name="Freeform 5"/>
+            <p:cNvSpPr/>
+            <p:nvPr>
+              <p:extLst>
+                <p:ext uri="{386F3935-93C4-4BCD-93E2-E3B085C9AB24}">
+                  <p16:designElem xmlns:p16="http://schemas.microsoft.com/office/powerpoint/2015/main" val="1"/>
+                </p:ext>
+              </p:extLst>
+            </p:nvPr>
+          </p:nvSpPr>
+          <p:spPr bwMode="gray">
+            <a:xfrm rot="16200000">
+              <a:off x="3295432" y="2801721"/>
+              <a:ext cx="6053670" cy="1254558"/>
+            </a:xfrm>
+            <a:custGeom>
+              <a:avLst/>
+              <a:gdLst/>
+              <a:ahLst/>
+              <a:cxnLst/>
+              <a:rect l="l" t="t" r="r" b="b"/>
+              <a:pathLst>
+                <a:path w="10000" h="8000">
+                  <a:moveTo>
+                    <a:pt x="0" y="0"/>
+                  </a:moveTo>
+                  <a:lnTo>
+                    <a:pt x="0" y="7970"/>
+                  </a:lnTo>
+                  <a:lnTo>
+                    <a:pt x="10000" y="8000"/>
+                  </a:lnTo>
+                  <a:lnTo>
+                    <a:pt x="10000" y="7"/>
+                  </a:lnTo>
+                  <a:lnTo>
+                    <a:pt x="10000" y="7"/>
+                  </a:lnTo>
+                  <a:lnTo>
+                    <a:pt x="9773" y="156"/>
+                  </a:lnTo>
+                  <a:lnTo>
+                    <a:pt x="9547" y="298"/>
+                  </a:lnTo>
+                  <a:lnTo>
+                    <a:pt x="9320" y="437"/>
+                  </a:lnTo>
+                  <a:lnTo>
+                    <a:pt x="9092" y="556"/>
+                  </a:lnTo>
+                  <a:lnTo>
+                    <a:pt x="8865" y="676"/>
+                  </a:lnTo>
+                  <a:lnTo>
+                    <a:pt x="8637" y="788"/>
+                  </a:lnTo>
+                  <a:lnTo>
+                    <a:pt x="8412" y="884"/>
+                  </a:lnTo>
+                  <a:lnTo>
+                    <a:pt x="8184" y="975"/>
+                  </a:lnTo>
+                  <a:lnTo>
+                    <a:pt x="7957" y="1058"/>
+                  </a:lnTo>
+                  <a:lnTo>
+                    <a:pt x="7734" y="1130"/>
+                  </a:lnTo>
+                  <a:lnTo>
+                    <a:pt x="7508" y="1202"/>
+                  </a:lnTo>
+                  <a:lnTo>
+                    <a:pt x="7285" y="1262"/>
+                  </a:lnTo>
+                  <a:lnTo>
+                    <a:pt x="7062" y="1309"/>
+                  </a:lnTo>
+                  <a:lnTo>
+                    <a:pt x="6840" y="1358"/>
+                  </a:lnTo>
+                  <a:lnTo>
+                    <a:pt x="6620" y="1399"/>
+                  </a:lnTo>
+                  <a:lnTo>
+                    <a:pt x="6402" y="1428"/>
+                  </a:lnTo>
+                  <a:lnTo>
+                    <a:pt x="6184" y="1453"/>
+                  </a:lnTo>
+                  <a:lnTo>
+                    <a:pt x="5968" y="1477"/>
+                  </a:lnTo>
+                  <a:lnTo>
+                    <a:pt x="5755" y="1488"/>
+                  </a:lnTo>
+                  <a:lnTo>
+                    <a:pt x="5542" y="1500"/>
+                  </a:lnTo>
+                  <a:lnTo>
+                    <a:pt x="5332" y="1506"/>
+                  </a:lnTo>
+                  <a:lnTo>
+                    <a:pt x="5124" y="1500"/>
+                  </a:lnTo>
+                  <a:lnTo>
+                    <a:pt x="4918" y="1500"/>
+                  </a:lnTo>
+                  <a:lnTo>
+                    <a:pt x="4714" y="1488"/>
+                  </a:lnTo>
+                  <a:lnTo>
+                    <a:pt x="4514" y="1470"/>
+                  </a:lnTo>
+                  <a:lnTo>
+                    <a:pt x="4316" y="1453"/>
+                  </a:lnTo>
+                  <a:lnTo>
+                    <a:pt x="4122" y="1434"/>
+                  </a:lnTo>
+                  <a:lnTo>
+                    <a:pt x="3929" y="1405"/>
+                  </a:lnTo>
+                  <a:lnTo>
+                    <a:pt x="3739" y="1374"/>
+                  </a:lnTo>
+                  <a:lnTo>
+                    <a:pt x="3553" y="1346"/>
+                  </a:lnTo>
+                  <a:lnTo>
+                    <a:pt x="3190" y="1267"/>
+                  </a:lnTo>
+                  <a:lnTo>
+                    <a:pt x="2842" y="1183"/>
+                  </a:lnTo>
+                  <a:lnTo>
+                    <a:pt x="2508" y="1095"/>
+                  </a:lnTo>
+                  <a:lnTo>
+                    <a:pt x="2192" y="998"/>
+                  </a:lnTo>
+                  <a:lnTo>
+                    <a:pt x="1890" y="897"/>
+                  </a:lnTo>
+                  <a:lnTo>
+                    <a:pt x="1610" y="788"/>
+                  </a:lnTo>
+                  <a:lnTo>
+                    <a:pt x="1347" y="681"/>
+                  </a:lnTo>
+                  <a:lnTo>
+                    <a:pt x="1105" y="574"/>
+                  </a:lnTo>
+                  <a:lnTo>
+                    <a:pt x="883" y="473"/>
+                  </a:lnTo>
+                  <a:lnTo>
+                    <a:pt x="686" y="377"/>
+                  </a:lnTo>
+                  <a:lnTo>
+                    <a:pt x="508" y="286"/>
+                  </a:lnTo>
+                  <a:lnTo>
+                    <a:pt x="358" y="210"/>
+                  </a:lnTo>
+                  <a:lnTo>
+                    <a:pt x="232" y="138"/>
+                  </a:lnTo>
+                  <a:lnTo>
+                    <a:pt x="59" y="35"/>
+                  </a:lnTo>
+                  <a:lnTo>
+                    <a:pt x="0" y="0"/>
+                  </a:lnTo>
+                  <a:lnTo>
+                    <a:pt x="0" y="0"/>
+                  </a:lnTo>
+                  <a:close/>
+                </a:path>
+              </a:pathLst>
+            </a:custGeom>
+            <a:solidFill>
+              <a:schemeClr val="bg1"/>
+            </a:solidFill>
+            <a:ln>
+              <a:noFill/>
+            </a:ln>
+          </p:spPr>
+        </p:sp>
+        <p:sp>
+          <p:nvSpPr>
+            <p:cNvPr id="13" name="Freeform 5"/>
+            <p:cNvSpPr/>
+            <p:nvPr>
+              <p:extLst>
+                <p:ext uri="{386F3935-93C4-4BCD-93E2-E3B085C9AB24}">
+                  <p16:designElem xmlns:p16="http://schemas.microsoft.com/office/powerpoint/2015/main" val="1"/>
+                </p:ext>
+              </p:extLst>
+            </p:nvPr>
+          </p:nvSpPr>
+          <p:spPr bwMode="gray">
+            <a:xfrm rot="15922489">
+              <a:off x="4203594" y="1826078"/>
+              <a:ext cx="3299407" cy="440924"/>
+            </a:xfrm>
+            <a:custGeom>
+              <a:avLst/>
+              <a:gdLst/>
+              <a:ahLst/>
+              <a:cxnLst/>
+              <a:rect l="l" t="t" r="r" b="b"/>
+              <a:pathLst>
+                <a:path w="10000" h="5291">
+                  <a:moveTo>
+                    <a:pt x="85" y="2532"/>
+                  </a:moveTo>
+                  <a:cubicBezTo>
+                    <a:pt x="1736" y="3911"/>
+                    <a:pt x="7524" y="5298"/>
+                    <a:pt x="9958" y="5291"/>
+                  </a:cubicBezTo>
+                  <a:cubicBezTo>
+                    <a:pt x="9989" y="1958"/>
+                    <a:pt x="9969" y="3333"/>
+                    <a:pt x="10000" y="0"/>
+                  </a:cubicBezTo>
+                  <a:lnTo>
+                    <a:pt x="10000" y="0"/>
+                  </a:lnTo>
+                  <a:lnTo>
+                    <a:pt x="9667" y="204"/>
+                  </a:lnTo>
+                  <a:lnTo>
+                    <a:pt x="9334" y="400"/>
+                  </a:lnTo>
+                  <a:lnTo>
+                    <a:pt x="9001" y="590"/>
+                  </a:lnTo>
+                  <a:lnTo>
+                    <a:pt x="8667" y="753"/>
+                  </a:lnTo>
+                  <a:lnTo>
+                    <a:pt x="8333" y="917"/>
+                  </a:lnTo>
+                  <a:lnTo>
+                    <a:pt x="7999" y="1071"/>
+                  </a:lnTo>
+                  <a:lnTo>
+                    <a:pt x="7669" y="1202"/>
+                  </a:lnTo>
+                  <a:lnTo>
+                    <a:pt x="7333" y="1325"/>
+                  </a:lnTo>
+                  <a:lnTo>
+                    <a:pt x="7000" y="1440"/>
+                  </a:lnTo>
+                  <a:lnTo>
+                    <a:pt x="6673" y="1538"/>
+                  </a:lnTo>
+                  <a:lnTo>
+                    <a:pt x="6340" y="1636"/>
+                  </a:lnTo>
+                  <a:lnTo>
+                    <a:pt x="6013" y="1719"/>
+                  </a:lnTo>
+                  <a:lnTo>
+                    <a:pt x="5686" y="1784"/>
+                  </a:lnTo>
+                  <a:lnTo>
+                    <a:pt x="5359" y="1850"/>
+                  </a:lnTo>
+                  <a:lnTo>
+                    <a:pt x="5036" y="1906"/>
+                  </a:lnTo>
+                  <a:lnTo>
+                    <a:pt x="4717" y="1948"/>
+                  </a:lnTo>
+                  <a:lnTo>
+                    <a:pt x="4396" y="1980"/>
+                  </a:lnTo>
+                  <a:lnTo>
+                    <a:pt x="4079" y="2013"/>
+                  </a:lnTo>
+                  <a:lnTo>
+                    <a:pt x="3766" y="2029"/>
+                  </a:lnTo>
+                  <a:lnTo>
+                    <a:pt x="3454" y="2046"/>
+                  </a:lnTo>
+                  <a:lnTo>
+                    <a:pt x="3145" y="2053"/>
+                  </a:lnTo>
+                  <a:lnTo>
+                    <a:pt x="2839" y="2046"/>
+                  </a:lnTo>
+                  <a:lnTo>
+                    <a:pt x="2537" y="2046"/>
+                  </a:lnTo>
+                  <a:lnTo>
+                    <a:pt x="2238" y="2029"/>
+                  </a:lnTo>
+                  <a:lnTo>
+                    <a:pt x="1943" y="2004"/>
+                  </a:lnTo>
+                  <a:lnTo>
+                    <a:pt x="1653" y="1980"/>
+                  </a:lnTo>
+                  <a:lnTo>
+                    <a:pt x="1368" y="1955"/>
+                  </a:lnTo>
+                  <a:lnTo>
+                    <a:pt x="1085" y="1915"/>
+                  </a:lnTo>
+                  <a:lnTo>
+                    <a:pt x="806" y="1873"/>
+                  </a:lnTo>
+                  <a:lnTo>
+                    <a:pt x="533" y="1833"/>
+                  </a:lnTo>
+                  <a:lnTo>
+                    <a:pt x="0" y="1726"/>
+                  </a:lnTo>
+                  <a:cubicBezTo>
+                    <a:pt x="28" y="1995"/>
+                    <a:pt x="57" y="2263"/>
+                    <a:pt x="85" y="2532"/>
+                  </a:cubicBezTo>
+                  <a:close/>
+                </a:path>
+              </a:pathLst>
+            </a:custGeom>
+            <a:solidFill>
+              <a:schemeClr val="bg1">
+                <a:alpha val="20000"/>
+              </a:schemeClr>
+            </a:solidFill>
+            <a:ln>
+              <a:noFill/>
+            </a:ln>
+          </p:spPr>
+        </p:sp>
+        <p:sp>
+          <p:nvSpPr>
+            <p:cNvPr id="14" name="Freeform 5"/>
+            <p:cNvSpPr>
+              <a:spLocks noEditPoints="1"/>
+            </p:cNvSpPr>
+            <p:nvPr>
+              <p:extLst>
+                <p:ext uri="{386F3935-93C4-4BCD-93E2-E3B085C9AB24}">
+                  <p16:designElem xmlns:p16="http://schemas.microsoft.com/office/powerpoint/2015/main" val="1"/>
+                </p:ext>
+              </p:extLst>
+            </p:nvPr>
+          </p:nvSpPr>
+          <p:spPr bwMode="gray">
+            <a:xfrm>
+              <a:off x="0" y="1587"/>
+              <a:ext cx="12192000" cy="6856413"/>
+            </a:xfrm>
+            <a:custGeom>
+              <a:avLst/>
+              <a:gdLst/>
+              <a:ahLst/>
+              <a:cxnLst/>
+              <a:rect l="0" t="0" r="r" b="b"/>
+              <a:pathLst>
+                <a:path w="15356" h="8638">
+                  <a:moveTo>
+                    <a:pt x="0" y="0"/>
+                  </a:moveTo>
+                  <a:lnTo>
+                    <a:pt x="0" y="8638"/>
+                  </a:lnTo>
+                  <a:lnTo>
+                    <a:pt x="15356" y="8638"/>
+                  </a:lnTo>
+                  <a:lnTo>
+                    <a:pt x="15356" y="0"/>
+                  </a:lnTo>
+                  <a:lnTo>
+                    <a:pt x="0" y="0"/>
+                  </a:lnTo>
+                  <a:close/>
+                  <a:moveTo>
+                    <a:pt x="14748" y="8038"/>
+                  </a:moveTo>
+                  <a:lnTo>
+                    <a:pt x="600" y="8038"/>
+                  </a:lnTo>
+                  <a:lnTo>
+                    <a:pt x="600" y="592"/>
+                  </a:lnTo>
+                  <a:lnTo>
+                    <a:pt x="14748" y="592"/>
+                  </a:lnTo>
+                  <a:lnTo>
+                    <a:pt x="14748" y="8038"/>
+                  </a:lnTo>
+                  <a:close/>
+                </a:path>
+              </a:pathLst>
+            </a:custGeom>
+            <a:solidFill>
+              <a:schemeClr val="bg1"/>
+            </a:solidFill>
+            <a:ln>
+              <a:noFill/>
+            </a:ln>
+          </p:spPr>
+        </p:sp>
+      </p:grpSp>
+      <p:pic>
+        <p:nvPicPr>
+          <p:cNvPr id="6" name="Picture 5"/>
+          <p:cNvPicPr>
+            <a:picLocks noChangeAspect="1"/>
+          </p:cNvPicPr>
+          <p:nvPr/>
+        </p:nvPicPr>
+        <p:blipFill>
+          <a:blip r:embed="rId4"/>
+          <a:stretch>
+            <a:fillRect/>
+          </a:stretch>
+        </p:blipFill>
+        <p:spPr>
+          <a:xfrm>
+            <a:off x="6172200" y="1491756"/>
+            <a:ext cx="5371343" cy="3892069"/>
+          </a:xfrm>
+          <a:prstGeom prst="rect">
+            <a:avLst/>
+          </a:prstGeom>
+        </p:spPr>
+      </p:pic>
+      <p:sp>
+        <p:nvSpPr>
+          <p:cNvPr id="15" name="Rectangle 14"/>
+          <p:cNvSpPr>
+            <a:spLocks noGrp="1" noRot="1" noChangeAspect="1" noMove="1" noResize="1" noEditPoints="1" noAdjustHandles="1" noChangeArrowheads="1" noChangeShapeType="1" noTextEdit="1"/>
+          </p:cNvSpPr>
+          <p:nvPr>
+            <p:extLst>
+              <p:ext uri="{386F3935-93C4-4BCD-93E2-E3B085C9AB24}">
+                <p16:designElem xmlns:p16="http://schemas.microsoft.com/office/powerpoint/2015/main" val="1"/>
+              </p:ext>
+            </p:extLst>
+          </p:nvPr>
+        </p:nvSpPr>
+        <p:spPr>
+          <a:xfrm>
+            <a:off x="10437812" y="0"/>
+            <a:ext cx="685800" cy="1143000"/>
+          </a:xfrm>
+          <a:prstGeom prst="rect">
+            <a:avLst/>
+          </a:prstGeom>
+          <a:solidFill>
+            <a:schemeClr val="accent1"/>
+          </a:solidFill>
+          <a:ln>
+            <a:noFill/>
+          </a:ln>
+        </p:spPr>
+        <p:style>
+          <a:lnRef idx="1">
+            <a:schemeClr val="accent1"/>
+          </a:lnRef>
+          <a:fillRef idx="3">
+            <a:schemeClr val="accent1"/>
+          </a:fillRef>
+          <a:effectRef idx="2">
+            <a:schemeClr val="accent1"/>
+          </a:effectRef>
+          <a:fontRef idx="minor">
+            <a:schemeClr val="lt1"/>
+          </a:fontRef>
+        </p:style>
+      </p:sp>
       <p:sp>
         <p:nvSpPr>
           <p:cNvPr id="2" name="Title 1"/>
@@ -13775,17 +15814,18 @@
         </p:nvSpPr>
         <p:spPr>
           <a:xfrm>
-            <a:off x="1154954" y="973669"/>
-            <a:ext cx="8825659" cy="988946"/>
+            <a:off x="639098" y="629265"/>
+            <a:ext cx="4886461" cy="1622322"/>
           </a:xfrm>
         </p:spPr>
         <p:txBody>
-          <a:bodyPr/>
+          <a:bodyPr>
+            <a:normAutofit/>
+          </a:bodyPr>
           <a:lstStyle/>
           <a:p>
-            <a:pPr algn="ctr"/>
             <a:r>
-              <a:rPr lang="en-US" sz="4000" dirty="0"/>
+              <a:rPr lang="en-US"/>
               <a:t>Benefits</a:t>
             </a:r>
           </a:p>
@@ -13801,44 +15841,73 @@
             <p:ph idx="1"/>
           </p:nvPr>
         </p:nvSpPr>
-        <p:spPr/>
+        <p:spPr>
+          <a:xfrm>
+            <a:off x="639098" y="2418735"/>
+            <a:ext cx="4886461" cy="3811742"/>
+          </a:xfrm>
+        </p:spPr>
         <p:txBody>
-          <a:bodyPr>
+          <a:bodyPr anchor="ctr">
             <a:normAutofit/>
           </a:bodyPr>
           <a:lstStyle/>
           <a:p>
             <a:r>
-              <a:rPr lang="en-US" dirty="0"/>
+              <a:rPr lang="en-US">
+                <a:solidFill>
+                  <a:schemeClr val="bg1"/>
+                </a:solidFill>
+              </a:rPr>
               <a:t>Efficiently using water resources</a:t>
             </a:r>
           </a:p>
           <a:p>
             <a:r>
-              <a:rPr lang="en-US" dirty="0"/>
+              <a:rPr lang="en-US">
+                <a:solidFill>
+                  <a:schemeClr val="bg1"/>
+                </a:solidFill>
+              </a:rPr>
               <a:t>Efficiently using fertilizer</a:t>
             </a:r>
           </a:p>
           <a:p>
             <a:r>
-              <a:rPr lang="en-US" dirty="0"/>
+              <a:rPr lang="en-US">
+                <a:solidFill>
+                  <a:schemeClr val="bg1"/>
+                </a:solidFill>
+              </a:rPr>
               <a:t>Efficiently using arable land</a:t>
             </a:r>
           </a:p>
           <a:p>
             <a:r>
-              <a:rPr lang="en-US" dirty="0"/>
+              <a:rPr lang="en-US">
+                <a:solidFill>
+                  <a:schemeClr val="bg1"/>
+                </a:solidFill>
+              </a:rPr>
               <a:t>Minimizing harvesting cost</a:t>
             </a:r>
           </a:p>
           <a:p>
             <a:r>
-              <a:rPr lang="en-US" dirty="0"/>
+              <a:rPr lang="en-US">
+                <a:solidFill>
+                  <a:schemeClr val="bg1"/>
+                </a:solidFill>
+              </a:rPr>
               <a:t>Maximizing profit</a:t>
             </a:r>
           </a:p>
           <a:p>
-            <a:endParaRPr lang="en-US" dirty="0"/>
+            <a:endParaRPr lang="en-US">
+              <a:solidFill>
+                <a:schemeClr val="bg1"/>
+              </a:solidFill>
+            </a:endParaRPr>
           </a:p>
         </p:txBody>
       </p:sp>
@@ -13874,7 +15943,7 @@
       </p:grpSpPr>
       <p:sp>
         <p:nvSpPr>
-          <p:cNvPr id="19" name="Rectangle 18"/>
+          <p:cNvPr id="27" name="Rectangle 26"/>
           <p:cNvSpPr>
             <a:spLocks noGrp="1" noRot="1" noChangeAspect="1" noMove="1" noResize="1" noEditPoints="1" noAdjustHandles="1" noChangeArrowheads="1" noChangeShapeType="1" noTextEdit="1"/>
           </p:cNvSpPr>
@@ -13905,7 +15974,7 @@
       </p:sp>
       <p:sp>
         <p:nvSpPr>
-          <p:cNvPr id="20" name="Rectangle 19"/>
+          <p:cNvPr id="28" name="Rectangle 27"/>
           <p:cNvSpPr>
             <a:spLocks noGrp="1" noRot="1" noChangeAspect="1" noMove="1" noResize="1" noEditPoints="1" noAdjustHandles="1" noChangeArrowheads="1" noChangeShapeType="1" noTextEdit="1"/>
           </p:cNvSpPr>
@@ -13969,7 +16038,7 @@
       </p:sp>
       <p:sp>
         <p:nvSpPr>
-          <p:cNvPr id="21" name="Oval 20"/>
+          <p:cNvPr id="29" name="Oval 28"/>
           <p:cNvSpPr>
             <a:spLocks noGrp="1" noRot="1" noChangeAspect="1" noMove="1" noResize="1" noEditPoints="1" noAdjustHandles="1" noChangeArrowheads="1" noChangeShapeType="1" noTextEdit="1"/>
           </p:cNvSpPr>
@@ -14034,7 +16103,7 @@
       </p:sp>
       <p:sp>
         <p:nvSpPr>
-          <p:cNvPr id="22" name="Oval 21"/>
+          <p:cNvPr id="30" name="Oval 29"/>
           <p:cNvSpPr>
             <a:spLocks noGrp="1" noRot="1" noChangeAspect="1" noMove="1" noResize="1" noEditPoints="1" noAdjustHandles="1" noChangeArrowheads="1" noChangeShapeType="1" noTextEdit="1"/>
           </p:cNvSpPr>
@@ -14099,7 +16168,7 @@
       </p:sp>
       <p:sp>
         <p:nvSpPr>
-          <p:cNvPr id="23" name="Oval 22"/>
+          <p:cNvPr id="31" name="Oval 30"/>
           <p:cNvSpPr>
             <a:spLocks noGrp="1" noRot="1" noChangeAspect="1" noMove="1" noResize="1" noEditPoints="1" noAdjustHandles="1" noChangeArrowheads="1" noChangeShapeType="1" noTextEdit="1"/>
           </p:cNvSpPr>
@@ -14164,7 +16233,7 @@
       </p:sp>
       <p:sp>
         <p:nvSpPr>
-          <p:cNvPr id="24" name="Freeform 5"/>
+          <p:cNvPr id="32" name="Freeform 5"/>
           <p:cNvSpPr>
             <a:spLocks noGrp="1" noRot="1" noChangeAspect="1" noMove="1" noResize="1" noEditPoints="1" noAdjustHandles="1" noChangeArrowheads="1" noChangeShapeType="1" noTextEdit="1"/>
           </p:cNvSpPr>
@@ -14234,7 +16303,7 @@
       </p:sp>
       <p:sp>
         <p:nvSpPr>
-          <p:cNvPr id="25" name="Rectangle 24"/>
+          <p:cNvPr id="33" name="Rectangle 32"/>
           <p:cNvSpPr>
             <a:spLocks noGrp="1" noRot="1" noChangeAspect="1" noMove="1" noResize="1" noEditPoints="1" noAdjustHandles="1" noChangeArrowheads="1" noChangeShapeType="1" noTextEdit="1"/>
           </p:cNvSpPr>
@@ -14276,6 +16345,415 @@
           </a:fontRef>
         </p:style>
       </p:sp>
+      <p:grpSp>
+        <p:nvGrpSpPr>
+          <p:cNvPr id="130" name="Group 33"/>
+          <p:cNvGrpSpPr>
+            <a:grpSpLocks noGrp="1" noUngrp="1" noRot="1" noChangeAspect="1" noMove="1" noResize="1"/>
+          </p:cNvGrpSpPr>
+          <p:nvPr>
+            <p:extLst>
+              <p:ext uri="{386F3935-93C4-4BCD-93E2-E3B085C9AB24}">
+                <p16:designElem xmlns:p16="http://schemas.microsoft.com/office/powerpoint/2015/main" val="1"/>
+              </p:ext>
+            </p:extLst>
+          </p:nvPr>
+        </p:nvGrpSpPr>
+        <p:grpSpPr>
+          <a:xfrm>
+            <a:off x="423335" y="396836"/>
+            <a:ext cx="4992158" cy="6058999"/>
+            <a:chOff x="423335" y="396836"/>
+            <a:chExt cx="4992158" cy="6058999"/>
+          </a:xfrm>
+        </p:grpSpPr>
+        <p:sp>
+          <p:nvSpPr>
+            <p:cNvPr id="131" name="Rectangle 34"/>
+            <p:cNvSpPr/>
+            <p:nvPr>
+              <p:extLst>
+                <p:ext uri="{386F3935-93C4-4BCD-93E2-E3B085C9AB24}">
+                  <p16:designElem xmlns:p16="http://schemas.microsoft.com/office/powerpoint/2015/main" val="1"/>
+                </p:ext>
+              </p:extLst>
+            </p:nvPr>
+          </p:nvSpPr>
+          <p:spPr bwMode="gray">
+            <a:xfrm flipH="1">
+              <a:off x="423335" y="402165"/>
+              <a:ext cx="4478865" cy="6053670"/>
+            </a:xfrm>
+            <a:prstGeom prst="rect">
+              <a:avLst/>
+            </a:prstGeom>
+            <a:solidFill>
+              <a:schemeClr val="bg1"/>
+            </a:solidFill>
+            <a:ln>
+              <a:noFill/>
+            </a:ln>
+            <a:effectLst/>
+          </p:spPr>
+          <p:style>
+            <a:lnRef idx="1">
+              <a:schemeClr val="accent1"/>
+            </a:lnRef>
+            <a:fillRef idx="3">
+              <a:schemeClr val="accent1"/>
+            </a:fillRef>
+            <a:effectRef idx="2">
+              <a:schemeClr val="accent1"/>
+            </a:effectRef>
+            <a:fontRef idx="minor">
+              <a:schemeClr val="lt1"/>
+            </a:fontRef>
+          </p:style>
+        </p:sp>
+        <p:sp>
+          <p:nvSpPr>
+            <p:cNvPr id="36" name="Freeform 5"/>
+            <p:cNvSpPr/>
+            <p:nvPr>
+              <p:extLst>
+                <p:ext uri="{386F3935-93C4-4BCD-93E2-E3B085C9AB24}">
+                  <p16:designElem xmlns:p16="http://schemas.microsoft.com/office/powerpoint/2015/main" val="1"/>
+                </p:ext>
+              </p:extLst>
+            </p:nvPr>
+          </p:nvSpPr>
+          <p:spPr bwMode="gray">
+            <a:xfrm rot="5400000" flipH="1">
+              <a:off x="1702172" y="2801721"/>
+              <a:ext cx="6053670" cy="1254558"/>
+            </a:xfrm>
+            <a:custGeom>
+              <a:avLst/>
+              <a:gdLst/>
+              <a:ahLst/>
+              <a:cxnLst/>
+              <a:rect l="l" t="t" r="r" b="b"/>
+              <a:pathLst>
+                <a:path w="10000" h="8000">
+                  <a:moveTo>
+                    <a:pt x="0" y="0"/>
+                  </a:moveTo>
+                  <a:lnTo>
+                    <a:pt x="0" y="7970"/>
+                  </a:lnTo>
+                  <a:lnTo>
+                    <a:pt x="10000" y="8000"/>
+                  </a:lnTo>
+                  <a:lnTo>
+                    <a:pt x="10000" y="7"/>
+                  </a:lnTo>
+                  <a:lnTo>
+                    <a:pt x="10000" y="7"/>
+                  </a:lnTo>
+                  <a:lnTo>
+                    <a:pt x="9773" y="156"/>
+                  </a:lnTo>
+                  <a:lnTo>
+                    <a:pt x="9547" y="298"/>
+                  </a:lnTo>
+                  <a:lnTo>
+                    <a:pt x="9320" y="437"/>
+                  </a:lnTo>
+                  <a:lnTo>
+                    <a:pt x="9092" y="556"/>
+                  </a:lnTo>
+                  <a:lnTo>
+                    <a:pt x="8865" y="676"/>
+                  </a:lnTo>
+                  <a:lnTo>
+                    <a:pt x="8637" y="788"/>
+                  </a:lnTo>
+                  <a:lnTo>
+                    <a:pt x="8412" y="884"/>
+                  </a:lnTo>
+                  <a:lnTo>
+                    <a:pt x="8184" y="975"/>
+                  </a:lnTo>
+                  <a:lnTo>
+                    <a:pt x="7957" y="1058"/>
+                  </a:lnTo>
+                  <a:lnTo>
+                    <a:pt x="7734" y="1130"/>
+                  </a:lnTo>
+                  <a:lnTo>
+                    <a:pt x="7508" y="1202"/>
+                  </a:lnTo>
+                  <a:lnTo>
+                    <a:pt x="7285" y="1262"/>
+                  </a:lnTo>
+                  <a:lnTo>
+                    <a:pt x="7062" y="1309"/>
+                  </a:lnTo>
+                  <a:lnTo>
+                    <a:pt x="6840" y="1358"/>
+                  </a:lnTo>
+                  <a:lnTo>
+                    <a:pt x="6620" y="1399"/>
+                  </a:lnTo>
+                  <a:lnTo>
+                    <a:pt x="6402" y="1428"/>
+                  </a:lnTo>
+                  <a:lnTo>
+                    <a:pt x="6184" y="1453"/>
+                  </a:lnTo>
+                  <a:lnTo>
+                    <a:pt x="5968" y="1477"/>
+                  </a:lnTo>
+                  <a:lnTo>
+                    <a:pt x="5755" y="1488"/>
+                  </a:lnTo>
+                  <a:lnTo>
+                    <a:pt x="5542" y="1500"/>
+                  </a:lnTo>
+                  <a:lnTo>
+                    <a:pt x="5332" y="1506"/>
+                  </a:lnTo>
+                  <a:lnTo>
+                    <a:pt x="5124" y="1500"/>
+                  </a:lnTo>
+                  <a:lnTo>
+                    <a:pt x="4918" y="1500"/>
+                  </a:lnTo>
+                  <a:lnTo>
+                    <a:pt x="4714" y="1488"/>
+                  </a:lnTo>
+                  <a:lnTo>
+                    <a:pt x="4514" y="1470"/>
+                  </a:lnTo>
+                  <a:lnTo>
+                    <a:pt x="4316" y="1453"/>
+                  </a:lnTo>
+                  <a:lnTo>
+                    <a:pt x="4122" y="1434"/>
+                  </a:lnTo>
+                  <a:lnTo>
+                    <a:pt x="3929" y="1405"/>
+                  </a:lnTo>
+                  <a:lnTo>
+                    <a:pt x="3739" y="1374"/>
+                  </a:lnTo>
+                  <a:lnTo>
+                    <a:pt x="3553" y="1346"/>
+                  </a:lnTo>
+                  <a:lnTo>
+                    <a:pt x="3190" y="1267"/>
+                  </a:lnTo>
+                  <a:lnTo>
+                    <a:pt x="2842" y="1183"/>
+                  </a:lnTo>
+                  <a:lnTo>
+                    <a:pt x="2508" y="1095"/>
+                  </a:lnTo>
+                  <a:lnTo>
+                    <a:pt x="2192" y="998"/>
+                  </a:lnTo>
+                  <a:lnTo>
+                    <a:pt x="1890" y="897"/>
+                  </a:lnTo>
+                  <a:lnTo>
+                    <a:pt x="1610" y="788"/>
+                  </a:lnTo>
+                  <a:lnTo>
+                    <a:pt x="1347" y="681"/>
+                  </a:lnTo>
+                  <a:lnTo>
+                    <a:pt x="1105" y="574"/>
+                  </a:lnTo>
+                  <a:lnTo>
+                    <a:pt x="883" y="473"/>
+                  </a:lnTo>
+                  <a:lnTo>
+                    <a:pt x="686" y="377"/>
+                  </a:lnTo>
+                  <a:lnTo>
+                    <a:pt x="508" y="286"/>
+                  </a:lnTo>
+                  <a:lnTo>
+                    <a:pt x="358" y="210"/>
+                  </a:lnTo>
+                  <a:lnTo>
+                    <a:pt x="232" y="138"/>
+                  </a:lnTo>
+                  <a:lnTo>
+                    <a:pt x="59" y="35"/>
+                  </a:lnTo>
+                  <a:lnTo>
+                    <a:pt x="0" y="0"/>
+                  </a:lnTo>
+                  <a:lnTo>
+                    <a:pt x="0" y="0"/>
+                  </a:lnTo>
+                  <a:close/>
+                </a:path>
+              </a:pathLst>
+            </a:custGeom>
+            <a:solidFill>
+              <a:schemeClr val="bg1"/>
+            </a:solidFill>
+            <a:ln>
+              <a:noFill/>
+            </a:ln>
+          </p:spPr>
+        </p:sp>
+        <p:sp>
+          <p:nvSpPr>
+            <p:cNvPr id="37" name="Freeform 5"/>
+            <p:cNvSpPr/>
+            <p:nvPr>
+              <p:extLst>
+                <p:ext uri="{386F3935-93C4-4BCD-93E2-E3B085C9AB24}">
+                  <p16:designElem xmlns:p16="http://schemas.microsoft.com/office/powerpoint/2015/main" val="1"/>
+                </p:ext>
+              </p:extLst>
+            </p:nvPr>
+          </p:nvSpPr>
+          <p:spPr bwMode="gray">
+            <a:xfrm rot="5677511" flipH="1">
+              <a:off x="3545327" y="1826078"/>
+              <a:ext cx="3299407" cy="440924"/>
+            </a:xfrm>
+            <a:custGeom>
+              <a:avLst/>
+              <a:gdLst/>
+              <a:ahLst/>
+              <a:cxnLst/>
+              <a:rect l="l" t="t" r="r" b="b"/>
+              <a:pathLst>
+                <a:path w="10000" h="5291">
+                  <a:moveTo>
+                    <a:pt x="85" y="2532"/>
+                  </a:moveTo>
+                  <a:cubicBezTo>
+                    <a:pt x="1736" y="3911"/>
+                    <a:pt x="7524" y="5298"/>
+                    <a:pt x="9958" y="5291"/>
+                  </a:cubicBezTo>
+                  <a:cubicBezTo>
+                    <a:pt x="9989" y="1958"/>
+                    <a:pt x="9969" y="3333"/>
+                    <a:pt x="10000" y="0"/>
+                  </a:cubicBezTo>
+                  <a:lnTo>
+                    <a:pt x="10000" y="0"/>
+                  </a:lnTo>
+                  <a:lnTo>
+                    <a:pt x="9667" y="204"/>
+                  </a:lnTo>
+                  <a:lnTo>
+                    <a:pt x="9334" y="400"/>
+                  </a:lnTo>
+                  <a:lnTo>
+                    <a:pt x="9001" y="590"/>
+                  </a:lnTo>
+                  <a:lnTo>
+                    <a:pt x="8667" y="753"/>
+                  </a:lnTo>
+                  <a:lnTo>
+                    <a:pt x="8333" y="917"/>
+                  </a:lnTo>
+                  <a:lnTo>
+                    <a:pt x="7999" y="1071"/>
+                  </a:lnTo>
+                  <a:lnTo>
+                    <a:pt x="7669" y="1202"/>
+                  </a:lnTo>
+                  <a:lnTo>
+                    <a:pt x="7333" y="1325"/>
+                  </a:lnTo>
+                  <a:lnTo>
+                    <a:pt x="7000" y="1440"/>
+                  </a:lnTo>
+                  <a:lnTo>
+                    <a:pt x="6673" y="1538"/>
+                  </a:lnTo>
+                  <a:lnTo>
+                    <a:pt x="6340" y="1636"/>
+                  </a:lnTo>
+                  <a:lnTo>
+                    <a:pt x="6013" y="1719"/>
+                  </a:lnTo>
+                  <a:lnTo>
+                    <a:pt x="5686" y="1784"/>
+                  </a:lnTo>
+                  <a:lnTo>
+                    <a:pt x="5359" y="1850"/>
+                  </a:lnTo>
+                  <a:lnTo>
+                    <a:pt x="5036" y="1906"/>
+                  </a:lnTo>
+                  <a:lnTo>
+                    <a:pt x="4717" y="1948"/>
+                  </a:lnTo>
+                  <a:lnTo>
+                    <a:pt x="4396" y="1980"/>
+                  </a:lnTo>
+                  <a:lnTo>
+                    <a:pt x="4079" y="2013"/>
+                  </a:lnTo>
+                  <a:lnTo>
+                    <a:pt x="3766" y="2029"/>
+                  </a:lnTo>
+                  <a:lnTo>
+                    <a:pt x="3454" y="2046"/>
+                  </a:lnTo>
+                  <a:lnTo>
+                    <a:pt x="3145" y="2053"/>
+                  </a:lnTo>
+                  <a:lnTo>
+                    <a:pt x="2839" y="2046"/>
+                  </a:lnTo>
+                  <a:lnTo>
+                    <a:pt x="2537" y="2046"/>
+                  </a:lnTo>
+                  <a:lnTo>
+                    <a:pt x="2238" y="2029"/>
+                  </a:lnTo>
+                  <a:lnTo>
+                    <a:pt x="1943" y="2004"/>
+                  </a:lnTo>
+                  <a:lnTo>
+                    <a:pt x="1653" y="1980"/>
+                  </a:lnTo>
+                  <a:lnTo>
+                    <a:pt x="1368" y="1955"/>
+                  </a:lnTo>
+                  <a:lnTo>
+                    <a:pt x="1085" y="1915"/>
+                  </a:lnTo>
+                  <a:lnTo>
+                    <a:pt x="806" y="1873"/>
+                  </a:lnTo>
+                  <a:lnTo>
+                    <a:pt x="533" y="1833"/>
+                  </a:lnTo>
+                  <a:lnTo>
+                    <a:pt x="0" y="1726"/>
+                  </a:lnTo>
+                  <a:cubicBezTo>
+                    <a:pt x="28" y="1995"/>
+                    <a:pt x="57" y="2263"/>
+                    <a:pt x="85" y="2532"/>
+                  </a:cubicBezTo>
+                  <a:close/>
+                </a:path>
+              </a:pathLst>
+            </a:custGeom>
+            <a:solidFill>
+              <a:schemeClr val="bg1">
+                <a:alpha val="20000"/>
+              </a:schemeClr>
+            </a:solidFill>
+            <a:ln>
+              <a:noFill/>
+            </a:ln>
+          </p:spPr>
+        </p:sp>
+      </p:grpSp>
       <p:pic>
         <p:nvPicPr>
           <p:cNvPr id="6" name="Picture Placeholder 5"/>
@@ -14294,21 +16772,12 @@
         </p:blipFill>
         <p:spPr>
           <a:xfrm>
-            <a:off x="1680638" y="762863"/>
-            <a:ext cx="5329156" cy="5329156"/>
+            <a:off x="1109764" y="1665878"/>
+            <a:ext cx="3526244" cy="3526244"/>
           </a:xfrm>
-          <a:prstGeom prst="roundRect">
-            <a:avLst>
-              <a:gd name="adj" fmla="val 1329"/>
-            </a:avLst>
+          <a:prstGeom prst="rect">
+            <a:avLst/>
           </a:prstGeom>
-          <a:effectLst>
-            <a:outerShdw blurRad="50800" dist="50800" dir="5400000" algn="tl" rotWithShape="0">
-              <a:srgbClr val="000000">
-                <a:alpha val="43000"/>
-              </a:srgbClr>
-            </a:outerShdw>
-          </a:effectLst>
         </p:spPr>
       </p:pic>
       <p:sp>
@@ -14323,8 +16792,8 @@
         </p:nvSpPr>
         <p:spPr>
           <a:xfrm>
-            <a:off x="7710957" y="1113062"/>
-            <a:ext cx="3832114" cy="3718430"/>
+            <a:off x="5695061" y="1241266"/>
+            <a:ext cx="5428551" cy="3153753"/>
           </a:xfrm>
         </p:spPr>
         <p:txBody>
@@ -14334,23 +16803,24 @@
           <a:lstStyle/>
           <a:p>
             <a:r>
-              <a:rPr lang="en-US" sz="5400" dirty="0"/>
+              <a:rPr lang="en-US" sz="5400"/>
               <a:t>Enjoy</a:t>
             </a:r>
             <a:br>
-              <a:rPr lang="en-US" sz="5400" dirty="0"/>
+              <a:rPr lang="en-US" sz="5400"/>
             </a:br>
             <a:r>
-              <a:rPr lang="en-US" sz="5400" dirty="0"/>
+              <a:rPr lang="en-US" sz="5400"/>
               <a:t>RCAEA</a:t>
             </a:r>
             <a:br>
-              <a:rPr lang="en-US" sz="5400" dirty="0"/>
+              <a:rPr lang="en-US" sz="5400"/>
             </a:br>
             <a:r>
-              <a:rPr lang="en-US" sz="5400" dirty="0"/>
+              <a:rPr lang="en-US" sz="5400"/>
               <a:t>Demo!</a:t>
             </a:r>
+            <a:endParaRPr lang="en-US" sz="5400" dirty="0"/>
           </a:p>
         </p:txBody>
       </p:sp>
@@ -14386,7 +16856,7 @@
       </p:grpSpPr>
       <p:sp>
         <p:nvSpPr>
-          <p:cNvPr id="18" name="Rectangle 5"/>
+          <p:cNvPr id="38" name="Rectangle 25"/>
           <p:cNvSpPr>
             <a:spLocks noGrp="1" noRot="1" noChangeAspect="1" noMove="1" noResize="1" noEditPoints="1" noAdjustHandles="1" noChangeArrowheads="1" noChangeShapeType="1" noTextEdit="1"/>
           </p:cNvSpPr>
@@ -14415,12 +16885,12 @@
           <a:effectLst/>
         </p:spPr>
       </p:sp>
-      <p:sp>
-        <p:nvSpPr>
-          <p:cNvPr id="19" name="Rectangle 6"/>
-          <p:cNvSpPr>
-            <a:spLocks noGrp="1" noRot="1" noChangeAspect="1" noMove="1" noResize="1" noEditPoints="1" noAdjustHandles="1" noChangeArrowheads="1" noChangeShapeType="1" noTextEdit="1"/>
-          </p:cNvSpPr>
+      <p:grpSp>
+        <p:nvGrpSpPr>
+          <p:cNvPr id="39" name="Group 26"/>
+          <p:cNvGrpSpPr>
+            <a:grpSpLocks noGrp="1" noUngrp="1" noRot="1" noChangeAspect="1" noMove="1" noResize="1"/>
+          </p:cNvGrpSpPr>
           <p:nvPr>
             <p:extLst>
               <p:ext uri="{386F3935-93C4-4BCD-93E2-E3B085C9AB24}">
@@ -14428,325 +16898,340 @@
               </p:ext>
             </p:extLst>
           </p:nvPr>
-        </p:nvSpPr>
-        <p:spPr>
+        </p:nvGrpSpPr>
+        <p:grpSpPr>
           <a:xfrm>
-            <a:off x="0" y="0"/>
-            <a:ext cx="12192000" cy="6858000"/>
+            <a:off x="-1588" y="0"/>
+            <a:ext cx="12193588" cy="6861555"/>
+            <a:chOff x="-1588" y="0"/>
+            <a:chExt cx="12193588" cy="6861555"/>
           </a:xfrm>
-          <a:prstGeom prst="rect">
-            <a:avLst/>
-          </a:prstGeom>
-          <a:blipFill>
-            <a:blip r:embed="rId2">
-              <a:duotone>
-                <a:schemeClr val="dk2">
-                  <a:shade val="69000"/>
-                  <a:hueMod val="108000"/>
-                  <a:satMod val="164000"/>
-                  <a:lumMod val="74000"/>
-                </a:schemeClr>
-                <a:schemeClr val="dk2">
-                  <a:tint val="96000"/>
-                  <a:hueMod val="88000"/>
-                  <a:satMod val="140000"/>
-                  <a:lumMod val="132000"/>
-                </a:schemeClr>
-              </a:duotone>
-            </a:blip>
-            <a:stretch>
-              <a:fillRect/>
-            </a:stretch>
-          </a:blipFill>
-          <a:ln>
-            <a:noFill/>
-          </a:ln>
-        </p:spPr>
-        <p:style>
-          <a:lnRef idx="2">
-            <a:schemeClr val="accent1">
-              <a:shade val="50000"/>
-            </a:schemeClr>
-          </a:lnRef>
-          <a:fillRef idx="1">
-            <a:schemeClr val="accent1"/>
-          </a:fillRef>
-          <a:effectRef idx="0">
-            <a:schemeClr val="accent1"/>
-          </a:effectRef>
-          <a:fontRef idx="minor">
-            <a:schemeClr val="lt1"/>
-          </a:fontRef>
-        </p:style>
-      </p:sp>
+        </p:grpSpPr>
+        <p:sp>
+          <p:nvSpPr>
+            <p:cNvPr id="40" name="Rectangle 27"/>
+            <p:cNvSpPr/>
+            <p:nvPr>
+              <p:extLst>
+                <p:ext uri="{386F3935-93C4-4BCD-93E2-E3B085C9AB24}">
+                  <p16:designElem xmlns:p16="http://schemas.microsoft.com/office/powerpoint/2015/main" val="1"/>
+                </p:ext>
+              </p:extLst>
+            </p:nvPr>
+          </p:nvSpPr>
+          <p:spPr>
+            <a:xfrm>
+              <a:off x="0" y="0"/>
+              <a:ext cx="12192000" cy="6858000"/>
+            </a:xfrm>
+            <a:prstGeom prst="rect">
+              <a:avLst/>
+            </a:prstGeom>
+            <a:blipFill>
+              <a:blip r:embed="rId2">
+                <a:duotone>
+                  <a:schemeClr val="dk2">
+                    <a:shade val="69000"/>
+                    <a:hueMod val="108000"/>
+                    <a:satMod val="164000"/>
+                    <a:lumMod val="74000"/>
+                  </a:schemeClr>
+                  <a:schemeClr val="dk2">
+                    <a:tint val="96000"/>
+                    <a:hueMod val="88000"/>
+                    <a:satMod val="140000"/>
+                    <a:lumMod val="132000"/>
+                  </a:schemeClr>
+                </a:duotone>
+              </a:blip>
+              <a:stretch>
+                <a:fillRect/>
+              </a:stretch>
+            </a:blipFill>
+            <a:ln>
+              <a:noFill/>
+            </a:ln>
+          </p:spPr>
+          <p:style>
+            <a:lnRef idx="2">
+              <a:schemeClr val="accent1">
+                <a:shade val="50000"/>
+              </a:schemeClr>
+            </a:lnRef>
+            <a:fillRef idx="1">
+              <a:schemeClr val="accent1"/>
+            </a:fillRef>
+            <a:effectRef idx="0">
+              <a:schemeClr val="accent1"/>
+            </a:effectRef>
+            <a:fontRef idx="minor">
+              <a:schemeClr val="lt1"/>
+            </a:fontRef>
+          </p:style>
+        </p:sp>
+        <p:sp>
+          <p:nvSpPr>
+            <p:cNvPr id="41" name="Oval 28"/>
+            <p:cNvSpPr/>
+            <p:nvPr>
+              <p:extLst>
+                <p:ext uri="{386F3935-93C4-4BCD-93E2-E3B085C9AB24}">
+                  <p16:designElem xmlns:p16="http://schemas.microsoft.com/office/powerpoint/2015/main" val="1"/>
+                </p:ext>
+              </p:extLst>
+            </p:nvPr>
+          </p:nvSpPr>
+          <p:spPr>
+            <a:xfrm>
+              <a:off x="8761412" y="1828800"/>
+              <a:ext cx="2819400" cy="2819400"/>
+            </a:xfrm>
+            <a:prstGeom prst="ellipse">
+              <a:avLst/>
+            </a:prstGeom>
+            <a:gradFill flip="none" rotWithShape="1">
+              <a:gsLst>
+                <a:gs pos="0">
+                  <a:schemeClr val="accent5">
+                    <a:alpha val="7000"/>
+                  </a:schemeClr>
+                </a:gs>
+                <a:gs pos="69000">
+                  <a:schemeClr val="accent5">
+                    <a:alpha val="0"/>
+                  </a:schemeClr>
+                </a:gs>
+                <a:gs pos="36000">
+                  <a:schemeClr val="accent5">
+                    <a:alpha val="6000"/>
+                  </a:schemeClr>
+                </a:gs>
+              </a:gsLst>
+              <a:path path="circle">
+                <a:fillToRect l="50000" t="50000" r="50000" b="50000"/>
+              </a:path>
+              <a:tileRect/>
+            </a:gradFill>
+            <a:ln>
+              <a:noFill/>
+            </a:ln>
+            <a:effectLst/>
+          </p:spPr>
+          <p:style>
+            <a:lnRef idx="1">
+              <a:schemeClr val="accent1"/>
+            </a:lnRef>
+            <a:fillRef idx="3">
+              <a:schemeClr val="accent1"/>
+            </a:fillRef>
+            <a:effectRef idx="2">
+              <a:schemeClr val="accent1"/>
+            </a:effectRef>
+            <a:fontRef idx="minor">
+              <a:schemeClr val="lt1"/>
+            </a:fontRef>
+          </p:style>
+        </p:sp>
+        <p:sp>
+          <p:nvSpPr>
+            <p:cNvPr id="42" name="Oval 29"/>
+            <p:cNvSpPr/>
+            <p:nvPr>
+              <p:extLst>
+                <p:ext uri="{386F3935-93C4-4BCD-93E2-E3B085C9AB24}">
+                  <p16:designElem xmlns:p16="http://schemas.microsoft.com/office/powerpoint/2015/main" val="1"/>
+                </p:ext>
+              </p:extLst>
+            </p:nvPr>
+          </p:nvSpPr>
+          <p:spPr>
+            <a:xfrm>
+              <a:off x="8761412" y="5870955"/>
+              <a:ext cx="990600" cy="990600"/>
+            </a:xfrm>
+            <a:prstGeom prst="ellipse">
+              <a:avLst/>
+            </a:prstGeom>
+            <a:gradFill flip="none" rotWithShape="1">
+              <a:gsLst>
+                <a:gs pos="0">
+                  <a:schemeClr val="accent5">
+                    <a:alpha val="14000"/>
+                  </a:schemeClr>
+                </a:gs>
+                <a:gs pos="66000">
+                  <a:schemeClr val="accent5">
+                    <a:alpha val="0"/>
+                  </a:schemeClr>
+                </a:gs>
+                <a:gs pos="36000">
+                  <a:schemeClr val="accent5">
+                    <a:alpha val="7000"/>
+                  </a:schemeClr>
+                </a:gs>
+              </a:gsLst>
+              <a:path path="circle">
+                <a:fillToRect l="50000" t="50000" r="50000" b="50000"/>
+              </a:path>
+              <a:tileRect/>
+            </a:gradFill>
+            <a:ln>
+              <a:noFill/>
+            </a:ln>
+            <a:effectLst/>
+          </p:spPr>
+          <p:style>
+            <a:lnRef idx="1">
+              <a:schemeClr val="accent1"/>
+            </a:lnRef>
+            <a:fillRef idx="3">
+              <a:schemeClr val="accent1"/>
+            </a:fillRef>
+            <a:effectRef idx="2">
+              <a:schemeClr val="accent1"/>
+            </a:effectRef>
+            <a:fontRef idx="minor">
+              <a:schemeClr val="lt1"/>
+            </a:fontRef>
+          </p:style>
+        </p:sp>
+        <p:sp>
+          <p:nvSpPr>
+            <p:cNvPr id="43" name="Oval 30"/>
+            <p:cNvSpPr/>
+            <p:nvPr>
+              <p:extLst>
+                <p:ext uri="{386F3935-93C4-4BCD-93E2-E3B085C9AB24}">
+                  <p16:designElem xmlns:p16="http://schemas.microsoft.com/office/powerpoint/2015/main" val="1"/>
+                </p:ext>
+              </p:extLst>
+            </p:nvPr>
+          </p:nvSpPr>
+          <p:spPr>
+            <a:xfrm>
+              <a:off x="-1588" y="2667000"/>
+              <a:ext cx="4191000" cy="4191000"/>
+            </a:xfrm>
+            <a:prstGeom prst="ellipse">
+              <a:avLst/>
+            </a:prstGeom>
+            <a:gradFill flip="none" rotWithShape="1">
+              <a:gsLst>
+                <a:gs pos="0">
+                  <a:schemeClr val="accent5">
+                    <a:alpha val="11000"/>
+                  </a:schemeClr>
+                </a:gs>
+                <a:gs pos="75000">
+                  <a:schemeClr val="accent5">
+                    <a:alpha val="0"/>
+                  </a:schemeClr>
+                </a:gs>
+                <a:gs pos="36000">
+                  <a:schemeClr val="accent5">
+                    <a:alpha val="10000"/>
+                  </a:schemeClr>
+                </a:gs>
+              </a:gsLst>
+              <a:path path="circle">
+                <a:fillToRect l="50000" t="50000" r="50000" b="50000"/>
+              </a:path>
+              <a:tileRect/>
+            </a:gradFill>
+            <a:ln>
+              <a:noFill/>
+            </a:ln>
+            <a:effectLst/>
+          </p:spPr>
+          <p:style>
+            <a:lnRef idx="1">
+              <a:schemeClr val="accent1"/>
+            </a:lnRef>
+            <a:fillRef idx="3">
+              <a:schemeClr val="accent1"/>
+            </a:fillRef>
+            <a:effectRef idx="2">
+              <a:schemeClr val="accent1"/>
+            </a:effectRef>
+            <a:fontRef idx="minor">
+              <a:schemeClr val="lt1"/>
+            </a:fontRef>
+          </p:style>
+        </p:sp>
+        <p:sp>
+          <p:nvSpPr>
+            <p:cNvPr id="44" name="Freeform 5"/>
+            <p:cNvSpPr>
+              <a:spLocks noEditPoints="1"/>
+            </p:cNvSpPr>
+            <p:nvPr>
+              <p:extLst>
+                <p:ext uri="{386F3935-93C4-4BCD-93E2-E3B085C9AB24}">
+                  <p16:designElem xmlns:p16="http://schemas.microsoft.com/office/powerpoint/2015/main" val="1"/>
+                </p:ext>
+              </p:extLst>
+            </p:nvPr>
+          </p:nvSpPr>
+          <p:spPr bwMode="gray">
+            <a:xfrm>
+              <a:off x="0" y="1587"/>
+              <a:ext cx="12192000" cy="6856413"/>
+            </a:xfrm>
+            <a:custGeom>
+              <a:avLst/>
+              <a:gdLst/>
+              <a:ahLst/>
+              <a:cxnLst/>
+              <a:rect l="0" t="0" r="r" b="b"/>
+              <a:pathLst>
+                <a:path w="15356" h="8638">
+                  <a:moveTo>
+                    <a:pt x="0" y="0"/>
+                  </a:moveTo>
+                  <a:lnTo>
+                    <a:pt x="0" y="8638"/>
+                  </a:lnTo>
+                  <a:lnTo>
+                    <a:pt x="15356" y="8638"/>
+                  </a:lnTo>
+                  <a:lnTo>
+                    <a:pt x="15356" y="0"/>
+                  </a:lnTo>
+                  <a:lnTo>
+                    <a:pt x="0" y="0"/>
+                  </a:lnTo>
+                  <a:close/>
+                  <a:moveTo>
+                    <a:pt x="14748" y="8038"/>
+                  </a:moveTo>
+                  <a:lnTo>
+                    <a:pt x="600" y="8038"/>
+                  </a:lnTo>
+                  <a:lnTo>
+                    <a:pt x="600" y="592"/>
+                  </a:lnTo>
+                  <a:lnTo>
+                    <a:pt x="14748" y="592"/>
+                  </a:lnTo>
+                  <a:lnTo>
+                    <a:pt x="14748" y="8038"/>
+                  </a:lnTo>
+                  <a:close/>
+                </a:path>
+              </a:pathLst>
+            </a:custGeom>
+            <a:solidFill>
+              <a:schemeClr val="bg1"/>
+            </a:solidFill>
+            <a:ln>
+              <a:noFill/>
+            </a:ln>
+          </p:spPr>
+        </p:sp>
+      </p:grpSp>
       <p:sp>
         <p:nvSpPr>
-          <p:cNvPr id="20" name="Oval 7"/>
-          <p:cNvSpPr>
-            <a:spLocks noGrp="1" noRot="1" noChangeAspect="1" noMove="1" noResize="1" noEditPoints="1" noAdjustHandles="1" noChangeArrowheads="1" noChangeShapeType="1" noTextEdit="1"/>
-          </p:cNvSpPr>
-          <p:nvPr>
-            <p:extLst>
-              <p:ext uri="{386F3935-93C4-4BCD-93E2-E3B085C9AB24}">
-                <p16:designElem xmlns:p16="http://schemas.microsoft.com/office/powerpoint/2015/main" val="1"/>
-              </p:ext>
-            </p:extLst>
-          </p:nvPr>
-        </p:nvSpPr>
-        <p:spPr>
-          <a:xfrm>
-            <a:off x="8761412" y="1828800"/>
-            <a:ext cx="2819400" cy="2819400"/>
-          </a:xfrm>
-          <a:prstGeom prst="ellipse">
-            <a:avLst/>
-          </a:prstGeom>
-          <a:gradFill flip="none" rotWithShape="1">
-            <a:gsLst>
-              <a:gs pos="0">
-                <a:schemeClr val="accent5">
-                  <a:alpha val="7000"/>
-                </a:schemeClr>
-              </a:gs>
-              <a:gs pos="69000">
-                <a:schemeClr val="accent5">
-                  <a:alpha val="0"/>
-                </a:schemeClr>
-              </a:gs>
-              <a:gs pos="36000">
-                <a:schemeClr val="accent5">
-                  <a:alpha val="6000"/>
-                </a:schemeClr>
-              </a:gs>
-            </a:gsLst>
-            <a:path path="circle">
-              <a:fillToRect l="50000" t="50000" r="50000" b="50000"/>
-            </a:path>
-            <a:tileRect/>
-          </a:gradFill>
-          <a:ln>
-            <a:noFill/>
-          </a:ln>
-          <a:effectLst/>
-        </p:spPr>
-        <p:style>
-          <a:lnRef idx="1">
-            <a:schemeClr val="accent1"/>
-          </a:lnRef>
-          <a:fillRef idx="3">
-            <a:schemeClr val="accent1"/>
-          </a:fillRef>
-          <a:effectRef idx="2">
-            <a:schemeClr val="accent1"/>
-          </a:effectRef>
-          <a:fontRef idx="minor">
-            <a:schemeClr val="lt1"/>
-          </a:fontRef>
-        </p:style>
-      </p:sp>
-      <p:sp>
-        <p:nvSpPr>
-          <p:cNvPr id="21" name="Oval 8"/>
-          <p:cNvSpPr>
-            <a:spLocks noGrp="1" noRot="1" noChangeAspect="1" noMove="1" noResize="1" noEditPoints="1" noAdjustHandles="1" noChangeArrowheads="1" noChangeShapeType="1" noTextEdit="1"/>
-          </p:cNvSpPr>
-          <p:nvPr>
-            <p:extLst>
-              <p:ext uri="{386F3935-93C4-4BCD-93E2-E3B085C9AB24}">
-                <p16:designElem xmlns:p16="http://schemas.microsoft.com/office/powerpoint/2015/main" val="1"/>
-              </p:ext>
-            </p:extLst>
-          </p:nvPr>
-        </p:nvSpPr>
-        <p:spPr>
-          <a:xfrm>
-            <a:off x="8761412" y="5870955"/>
-            <a:ext cx="990600" cy="990600"/>
-          </a:xfrm>
-          <a:prstGeom prst="ellipse">
-            <a:avLst/>
-          </a:prstGeom>
-          <a:gradFill flip="none" rotWithShape="1">
-            <a:gsLst>
-              <a:gs pos="0">
-                <a:schemeClr val="accent5">
-                  <a:alpha val="14000"/>
-                </a:schemeClr>
-              </a:gs>
-              <a:gs pos="66000">
-                <a:schemeClr val="accent5">
-                  <a:alpha val="0"/>
-                </a:schemeClr>
-              </a:gs>
-              <a:gs pos="36000">
-                <a:schemeClr val="accent5">
-                  <a:alpha val="7000"/>
-                </a:schemeClr>
-              </a:gs>
-            </a:gsLst>
-            <a:path path="circle">
-              <a:fillToRect l="50000" t="50000" r="50000" b="50000"/>
-            </a:path>
-            <a:tileRect/>
-          </a:gradFill>
-          <a:ln>
-            <a:noFill/>
-          </a:ln>
-          <a:effectLst/>
-        </p:spPr>
-        <p:style>
-          <a:lnRef idx="1">
-            <a:schemeClr val="accent1"/>
-          </a:lnRef>
-          <a:fillRef idx="3">
-            <a:schemeClr val="accent1"/>
-          </a:fillRef>
-          <a:effectRef idx="2">
-            <a:schemeClr val="accent1"/>
-          </a:effectRef>
-          <a:fontRef idx="minor">
-            <a:schemeClr val="lt1"/>
-          </a:fontRef>
-        </p:style>
-      </p:sp>
-      <p:sp>
-        <p:nvSpPr>
-          <p:cNvPr id="22" name="Oval 9"/>
-          <p:cNvSpPr>
-            <a:spLocks noGrp="1" noRot="1" noChangeAspect="1" noMove="1" noResize="1" noEditPoints="1" noAdjustHandles="1" noChangeArrowheads="1" noChangeShapeType="1" noTextEdit="1"/>
-          </p:cNvSpPr>
-          <p:nvPr>
-            <p:extLst>
-              <p:ext uri="{386F3935-93C4-4BCD-93E2-E3B085C9AB24}">
-                <p16:designElem xmlns:p16="http://schemas.microsoft.com/office/powerpoint/2015/main" val="1"/>
-              </p:ext>
-            </p:extLst>
-          </p:nvPr>
-        </p:nvSpPr>
-        <p:spPr>
-          <a:xfrm>
-            <a:off x="-1588" y="2667000"/>
-            <a:ext cx="4191000" cy="4191000"/>
-          </a:xfrm>
-          <a:prstGeom prst="ellipse">
-            <a:avLst/>
-          </a:prstGeom>
-          <a:gradFill flip="none" rotWithShape="1">
-            <a:gsLst>
-              <a:gs pos="0">
-                <a:schemeClr val="accent5">
-                  <a:alpha val="11000"/>
-                </a:schemeClr>
-              </a:gs>
-              <a:gs pos="75000">
-                <a:schemeClr val="accent5">
-                  <a:alpha val="0"/>
-                </a:schemeClr>
-              </a:gs>
-              <a:gs pos="36000">
-                <a:schemeClr val="accent5">
-                  <a:alpha val="10000"/>
-                </a:schemeClr>
-              </a:gs>
-            </a:gsLst>
-            <a:path path="circle">
-              <a:fillToRect l="50000" t="50000" r="50000" b="50000"/>
-            </a:path>
-            <a:tileRect/>
-          </a:gradFill>
-          <a:ln>
-            <a:noFill/>
-          </a:ln>
-          <a:effectLst/>
-        </p:spPr>
-        <p:style>
-          <a:lnRef idx="1">
-            <a:schemeClr val="accent1"/>
-          </a:lnRef>
-          <a:fillRef idx="3">
-            <a:schemeClr val="accent1"/>
-          </a:fillRef>
-          <a:effectRef idx="2">
-            <a:schemeClr val="accent1"/>
-          </a:effectRef>
-          <a:fontRef idx="minor">
-            <a:schemeClr val="lt1"/>
-          </a:fontRef>
-        </p:style>
-      </p:sp>
-      <p:sp>
-        <p:nvSpPr>
-          <p:cNvPr id="23" name="Freeform 5"/>
-          <p:cNvSpPr>
-            <a:spLocks noGrp="1" noRot="1" noChangeAspect="1" noMove="1" noResize="1" noEditPoints="1" noAdjustHandles="1" noChangeArrowheads="1" noChangeShapeType="1" noTextEdit="1"/>
-          </p:cNvSpPr>
-          <p:nvPr>
-            <p:extLst>
-              <p:ext uri="{386F3935-93C4-4BCD-93E2-E3B085C9AB24}">
-                <p16:designElem xmlns:p16="http://schemas.microsoft.com/office/powerpoint/2015/main" val="1"/>
-              </p:ext>
-            </p:extLst>
-          </p:nvPr>
-        </p:nvSpPr>
-        <p:spPr bwMode="gray">
-          <a:xfrm>
-            <a:off x="-1588" y="1587"/>
-            <a:ext cx="12192000" cy="6856413"/>
-          </a:xfrm>
-          <a:custGeom>
-            <a:avLst/>
-            <a:gdLst/>
-            <a:ahLst/>
-            <a:cxnLst/>
-            <a:rect l="0" t="0" r="r" b="b"/>
-            <a:pathLst>
-              <a:path w="15356" h="8638">
-                <a:moveTo>
-                  <a:pt x="0" y="0"/>
-                </a:moveTo>
-                <a:lnTo>
-                  <a:pt x="0" y="8638"/>
-                </a:lnTo>
-                <a:lnTo>
-                  <a:pt x="15356" y="8638"/>
-                </a:lnTo>
-                <a:lnTo>
-                  <a:pt x="15356" y="0"/>
-                </a:lnTo>
-                <a:lnTo>
-                  <a:pt x="0" y="0"/>
-                </a:lnTo>
-                <a:close/>
-                <a:moveTo>
-                  <a:pt x="14748" y="8038"/>
-                </a:moveTo>
-                <a:lnTo>
-                  <a:pt x="600" y="8038"/>
-                </a:lnTo>
-                <a:lnTo>
-                  <a:pt x="600" y="592"/>
-                </a:lnTo>
-                <a:lnTo>
-                  <a:pt x="14748" y="592"/>
-                </a:lnTo>
-                <a:lnTo>
-                  <a:pt x="14748" y="8038"/>
-                </a:lnTo>
-                <a:close/>
-              </a:path>
-            </a:pathLst>
-          </a:custGeom>
-          <a:solidFill>
-            <a:schemeClr val="bg1"/>
-          </a:solidFill>
-          <a:ln>
-            <a:noFill/>
-          </a:ln>
-        </p:spPr>
-      </p:sp>
-      <p:sp>
-        <p:nvSpPr>
-          <p:cNvPr id="24" name="Rectangle 11"/>
+          <p:cNvPr id="45" name="Rectangle 32"/>
           <p:cNvSpPr>
             <a:spLocks noGrp="1" noRot="1" noChangeAspect="1" noMove="1" noResize="1" noEditPoints="1" noAdjustHandles="1" noChangeArrowheads="1" noChangeShapeType="1" noTextEdit="1"/>
           </p:cNvSpPr>
@@ -14788,6 +17273,415 @@
           </a:fontRef>
         </p:style>
       </p:sp>
+      <p:grpSp>
+        <p:nvGrpSpPr>
+          <p:cNvPr id="34" name="Group 33"/>
+          <p:cNvGrpSpPr>
+            <a:grpSpLocks noGrp="1" noUngrp="1" noRot="1" noChangeAspect="1" noMove="1" noResize="1"/>
+          </p:cNvGrpSpPr>
+          <p:nvPr>
+            <p:extLst>
+              <p:ext uri="{386F3935-93C4-4BCD-93E2-E3B085C9AB24}">
+                <p16:designElem xmlns:p16="http://schemas.microsoft.com/office/powerpoint/2015/main" val="1"/>
+              </p:ext>
+            </p:extLst>
+          </p:nvPr>
+        </p:nvGrpSpPr>
+        <p:grpSpPr>
+          <a:xfrm>
+            <a:off x="423335" y="396836"/>
+            <a:ext cx="4992158" cy="6058999"/>
+            <a:chOff x="423335" y="396836"/>
+            <a:chExt cx="4992158" cy="6058999"/>
+          </a:xfrm>
+        </p:grpSpPr>
+        <p:sp>
+          <p:nvSpPr>
+            <p:cNvPr id="35" name="Rectangle 34"/>
+            <p:cNvSpPr/>
+            <p:nvPr>
+              <p:extLst>
+                <p:ext uri="{386F3935-93C4-4BCD-93E2-E3B085C9AB24}">
+                  <p16:designElem xmlns:p16="http://schemas.microsoft.com/office/powerpoint/2015/main" val="1"/>
+                </p:ext>
+              </p:extLst>
+            </p:nvPr>
+          </p:nvSpPr>
+          <p:spPr bwMode="gray">
+            <a:xfrm flipH="1">
+              <a:off x="423335" y="402165"/>
+              <a:ext cx="4478865" cy="6053670"/>
+            </a:xfrm>
+            <a:prstGeom prst="rect">
+              <a:avLst/>
+            </a:prstGeom>
+            <a:solidFill>
+              <a:schemeClr val="bg1"/>
+            </a:solidFill>
+            <a:ln>
+              <a:noFill/>
+            </a:ln>
+            <a:effectLst/>
+          </p:spPr>
+          <p:style>
+            <a:lnRef idx="1">
+              <a:schemeClr val="accent1"/>
+            </a:lnRef>
+            <a:fillRef idx="3">
+              <a:schemeClr val="accent1"/>
+            </a:fillRef>
+            <a:effectRef idx="2">
+              <a:schemeClr val="accent1"/>
+            </a:effectRef>
+            <a:fontRef idx="minor">
+              <a:schemeClr val="lt1"/>
+            </a:fontRef>
+          </p:style>
+        </p:sp>
+        <p:sp>
+          <p:nvSpPr>
+            <p:cNvPr id="36" name="Freeform 5"/>
+            <p:cNvSpPr/>
+            <p:nvPr>
+              <p:extLst>
+                <p:ext uri="{386F3935-93C4-4BCD-93E2-E3B085C9AB24}">
+                  <p16:designElem xmlns:p16="http://schemas.microsoft.com/office/powerpoint/2015/main" val="1"/>
+                </p:ext>
+              </p:extLst>
+            </p:nvPr>
+          </p:nvSpPr>
+          <p:spPr bwMode="gray">
+            <a:xfrm rot="5400000" flipH="1">
+              <a:off x="1702172" y="2801721"/>
+              <a:ext cx="6053670" cy="1254558"/>
+            </a:xfrm>
+            <a:custGeom>
+              <a:avLst/>
+              <a:gdLst/>
+              <a:ahLst/>
+              <a:cxnLst/>
+              <a:rect l="l" t="t" r="r" b="b"/>
+              <a:pathLst>
+                <a:path w="10000" h="8000">
+                  <a:moveTo>
+                    <a:pt x="0" y="0"/>
+                  </a:moveTo>
+                  <a:lnTo>
+                    <a:pt x="0" y="7970"/>
+                  </a:lnTo>
+                  <a:lnTo>
+                    <a:pt x="10000" y="8000"/>
+                  </a:lnTo>
+                  <a:lnTo>
+                    <a:pt x="10000" y="7"/>
+                  </a:lnTo>
+                  <a:lnTo>
+                    <a:pt x="10000" y="7"/>
+                  </a:lnTo>
+                  <a:lnTo>
+                    <a:pt x="9773" y="156"/>
+                  </a:lnTo>
+                  <a:lnTo>
+                    <a:pt x="9547" y="298"/>
+                  </a:lnTo>
+                  <a:lnTo>
+                    <a:pt x="9320" y="437"/>
+                  </a:lnTo>
+                  <a:lnTo>
+                    <a:pt x="9092" y="556"/>
+                  </a:lnTo>
+                  <a:lnTo>
+                    <a:pt x="8865" y="676"/>
+                  </a:lnTo>
+                  <a:lnTo>
+                    <a:pt x="8637" y="788"/>
+                  </a:lnTo>
+                  <a:lnTo>
+                    <a:pt x="8412" y="884"/>
+                  </a:lnTo>
+                  <a:lnTo>
+                    <a:pt x="8184" y="975"/>
+                  </a:lnTo>
+                  <a:lnTo>
+                    <a:pt x="7957" y="1058"/>
+                  </a:lnTo>
+                  <a:lnTo>
+                    <a:pt x="7734" y="1130"/>
+                  </a:lnTo>
+                  <a:lnTo>
+                    <a:pt x="7508" y="1202"/>
+                  </a:lnTo>
+                  <a:lnTo>
+                    <a:pt x="7285" y="1262"/>
+                  </a:lnTo>
+                  <a:lnTo>
+                    <a:pt x="7062" y="1309"/>
+                  </a:lnTo>
+                  <a:lnTo>
+                    <a:pt x="6840" y="1358"/>
+                  </a:lnTo>
+                  <a:lnTo>
+                    <a:pt x="6620" y="1399"/>
+                  </a:lnTo>
+                  <a:lnTo>
+                    <a:pt x="6402" y="1428"/>
+                  </a:lnTo>
+                  <a:lnTo>
+                    <a:pt x="6184" y="1453"/>
+                  </a:lnTo>
+                  <a:lnTo>
+                    <a:pt x="5968" y="1477"/>
+                  </a:lnTo>
+                  <a:lnTo>
+                    <a:pt x="5755" y="1488"/>
+                  </a:lnTo>
+                  <a:lnTo>
+                    <a:pt x="5542" y="1500"/>
+                  </a:lnTo>
+                  <a:lnTo>
+                    <a:pt x="5332" y="1506"/>
+                  </a:lnTo>
+                  <a:lnTo>
+                    <a:pt x="5124" y="1500"/>
+                  </a:lnTo>
+                  <a:lnTo>
+                    <a:pt x="4918" y="1500"/>
+                  </a:lnTo>
+                  <a:lnTo>
+                    <a:pt x="4714" y="1488"/>
+                  </a:lnTo>
+                  <a:lnTo>
+                    <a:pt x="4514" y="1470"/>
+                  </a:lnTo>
+                  <a:lnTo>
+                    <a:pt x="4316" y="1453"/>
+                  </a:lnTo>
+                  <a:lnTo>
+                    <a:pt x="4122" y="1434"/>
+                  </a:lnTo>
+                  <a:lnTo>
+                    <a:pt x="3929" y="1405"/>
+                  </a:lnTo>
+                  <a:lnTo>
+                    <a:pt x="3739" y="1374"/>
+                  </a:lnTo>
+                  <a:lnTo>
+                    <a:pt x="3553" y="1346"/>
+                  </a:lnTo>
+                  <a:lnTo>
+                    <a:pt x="3190" y="1267"/>
+                  </a:lnTo>
+                  <a:lnTo>
+                    <a:pt x="2842" y="1183"/>
+                  </a:lnTo>
+                  <a:lnTo>
+                    <a:pt x="2508" y="1095"/>
+                  </a:lnTo>
+                  <a:lnTo>
+                    <a:pt x="2192" y="998"/>
+                  </a:lnTo>
+                  <a:lnTo>
+                    <a:pt x="1890" y="897"/>
+                  </a:lnTo>
+                  <a:lnTo>
+                    <a:pt x="1610" y="788"/>
+                  </a:lnTo>
+                  <a:lnTo>
+                    <a:pt x="1347" y="681"/>
+                  </a:lnTo>
+                  <a:lnTo>
+                    <a:pt x="1105" y="574"/>
+                  </a:lnTo>
+                  <a:lnTo>
+                    <a:pt x="883" y="473"/>
+                  </a:lnTo>
+                  <a:lnTo>
+                    <a:pt x="686" y="377"/>
+                  </a:lnTo>
+                  <a:lnTo>
+                    <a:pt x="508" y="286"/>
+                  </a:lnTo>
+                  <a:lnTo>
+                    <a:pt x="358" y="210"/>
+                  </a:lnTo>
+                  <a:lnTo>
+                    <a:pt x="232" y="138"/>
+                  </a:lnTo>
+                  <a:lnTo>
+                    <a:pt x="59" y="35"/>
+                  </a:lnTo>
+                  <a:lnTo>
+                    <a:pt x="0" y="0"/>
+                  </a:lnTo>
+                  <a:lnTo>
+                    <a:pt x="0" y="0"/>
+                  </a:lnTo>
+                  <a:close/>
+                </a:path>
+              </a:pathLst>
+            </a:custGeom>
+            <a:solidFill>
+              <a:schemeClr val="bg1"/>
+            </a:solidFill>
+            <a:ln>
+              <a:noFill/>
+            </a:ln>
+          </p:spPr>
+        </p:sp>
+        <p:sp>
+          <p:nvSpPr>
+            <p:cNvPr id="37" name="Freeform 5"/>
+            <p:cNvSpPr/>
+            <p:nvPr>
+              <p:extLst>
+                <p:ext uri="{386F3935-93C4-4BCD-93E2-E3B085C9AB24}">
+                  <p16:designElem xmlns:p16="http://schemas.microsoft.com/office/powerpoint/2015/main" val="1"/>
+                </p:ext>
+              </p:extLst>
+            </p:nvPr>
+          </p:nvSpPr>
+          <p:spPr bwMode="gray">
+            <a:xfrm rot="5677511" flipH="1">
+              <a:off x="3545327" y="1826078"/>
+              <a:ext cx="3299407" cy="440924"/>
+            </a:xfrm>
+            <a:custGeom>
+              <a:avLst/>
+              <a:gdLst/>
+              <a:ahLst/>
+              <a:cxnLst/>
+              <a:rect l="l" t="t" r="r" b="b"/>
+              <a:pathLst>
+                <a:path w="10000" h="5291">
+                  <a:moveTo>
+                    <a:pt x="85" y="2532"/>
+                  </a:moveTo>
+                  <a:cubicBezTo>
+                    <a:pt x="1736" y="3911"/>
+                    <a:pt x="7524" y="5298"/>
+                    <a:pt x="9958" y="5291"/>
+                  </a:cubicBezTo>
+                  <a:cubicBezTo>
+                    <a:pt x="9989" y="1958"/>
+                    <a:pt x="9969" y="3333"/>
+                    <a:pt x="10000" y="0"/>
+                  </a:cubicBezTo>
+                  <a:lnTo>
+                    <a:pt x="10000" y="0"/>
+                  </a:lnTo>
+                  <a:lnTo>
+                    <a:pt x="9667" y="204"/>
+                  </a:lnTo>
+                  <a:lnTo>
+                    <a:pt x="9334" y="400"/>
+                  </a:lnTo>
+                  <a:lnTo>
+                    <a:pt x="9001" y="590"/>
+                  </a:lnTo>
+                  <a:lnTo>
+                    <a:pt x="8667" y="753"/>
+                  </a:lnTo>
+                  <a:lnTo>
+                    <a:pt x="8333" y="917"/>
+                  </a:lnTo>
+                  <a:lnTo>
+                    <a:pt x="7999" y="1071"/>
+                  </a:lnTo>
+                  <a:lnTo>
+                    <a:pt x="7669" y="1202"/>
+                  </a:lnTo>
+                  <a:lnTo>
+                    <a:pt x="7333" y="1325"/>
+                  </a:lnTo>
+                  <a:lnTo>
+                    <a:pt x="7000" y="1440"/>
+                  </a:lnTo>
+                  <a:lnTo>
+                    <a:pt x="6673" y="1538"/>
+                  </a:lnTo>
+                  <a:lnTo>
+                    <a:pt x="6340" y="1636"/>
+                  </a:lnTo>
+                  <a:lnTo>
+                    <a:pt x="6013" y="1719"/>
+                  </a:lnTo>
+                  <a:lnTo>
+                    <a:pt x="5686" y="1784"/>
+                  </a:lnTo>
+                  <a:lnTo>
+                    <a:pt x="5359" y="1850"/>
+                  </a:lnTo>
+                  <a:lnTo>
+                    <a:pt x="5036" y="1906"/>
+                  </a:lnTo>
+                  <a:lnTo>
+                    <a:pt x="4717" y="1948"/>
+                  </a:lnTo>
+                  <a:lnTo>
+                    <a:pt x="4396" y="1980"/>
+                  </a:lnTo>
+                  <a:lnTo>
+                    <a:pt x="4079" y="2013"/>
+                  </a:lnTo>
+                  <a:lnTo>
+                    <a:pt x="3766" y="2029"/>
+                  </a:lnTo>
+                  <a:lnTo>
+                    <a:pt x="3454" y="2046"/>
+                  </a:lnTo>
+                  <a:lnTo>
+                    <a:pt x="3145" y="2053"/>
+                  </a:lnTo>
+                  <a:lnTo>
+                    <a:pt x="2839" y="2046"/>
+                  </a:lnTo>
+                  <a:lnTo>
+                    <a:pt x="2537" y="2046"/>
+                  </a:lnTo>
+                  <a:lnTo>
+                    <a:pt x="2238" y="2029"/>
+                  </a:lnTo>
+                  <a:lnTo>
+                    <a:pt x="1943" y="2004"/>
+                  </a:lnTo>
+                  <a:lnTo>
+                    <a:pt x="1653" y="1980"/>
+                  </a:lnTo>
+                  <a:lnTo>
+                    <a:pt x="1368" y="1955"/>
+                  </a:lnTo>
+                  <a:lnTo>
+                    <a:pt x="1085" y="1915"/>
+                  </a:lnTo>
+                  <a:lnTo>
+                    <a:pt x="806" y="1873"/>
+                  </a:lnTo>
+                  <a:lnTo>
+                    <a:pt x="533" y="1833"/>
+                  </a:lnTo>
+                  <a:lnTo>
+                    <a:pt x="0" y="1726"/>
+                  </a:lnTo>
+                  <a:cubicBezTo>
+                    <a:pt x="28" y="1995"/>
+                    <a:pt x="57" y="2263"/>
+                    <a:pt x="85" y="2532"/>
+                  </a:cubicBezTo>
+                  <a:close/>
+                </a:path>
+              </a:pathLst>
+            </a:custGeom>
+            <a:solidFill>
+              <a:schemeClr val="bg1">
+                <a:alpha val="20000"/>
+              </a:schemeClr>
+            </a:solidFill>
+            <a:ln>
+              <a:noFill/>
+            </a:ln>
+          </p:spPr>
+        </p:sp>
+      </p:grpSp>
       <p:pic>
         <p:nvPicPr>
           <p:cNvPr id="4" name="Content Placeholder 3"/>
@@ -14798,29 +17692,19 @@
             <p:ph type="pic" idx="1"/>
           </p:nvPr>
         </p:nvPicPr>
-        <p:blipFill>
+        <p:blipFill rotWithShape="1">
           <a:blip r:embed="rId3"/>
-          <a:stretch>
-            <a:fillRect/>
-          </a:stretch>
+          <a:srcRect l="14530" r="28333" b="-1"/>
+          <a:stretch/>
         </p:blipFill>
         <p:spPr>
           <a:xfrm>
-            <a:off x="1259378" y="1113063"/>
-            <a:ext cx="6171677" cy="4628758"/>
+            <a:off x="1109764" y="1114621"/>
+            <a:ext cx="3526244" cy="4628758"/>
           </a:xfrm>
-          <a:prstGeom prst="roundRect">
-            <a:avLst>
-              <a:gd name="adj" fmla="val 1329"/>
-            </a:avLst>
+          <a:prstGeom prst="rect">
+            <a:avLst/>
           </a:prstGeom>
-          <a:effectLst>
-            <a:outerShdw blurRad="50800" dist="50800" dir="5400000" algn="tl" rotWithShape="0">
-              <a:srgbClr val="000000">
-                <a:alpha val="43000"/>
-              </a:srgbClr>
-            </a:outerShdw>
-          </a:effectLst>
         </p:spPr>
       </p:pic>
       <p:sp>
@@ -14835,8 +17719,8 @@
         </p:nvSpPr>
         <p:spPr>
           <a:xfrm>
-            <a:off x="8160773" y="1113062"/>
-            <a:ext cx="3382297" cy="3281957"/>
+            <a:off x="5695061" y="1241266"/>
+            <a:ext cx="5428551" cy="3153753"/>
           </a:xfrm>
         </p:spPr>
         <p:txBody>

--- a/Documents/FINAL/ProCp-Project-Core-phase -without some slides.pptx
+++ b/Documents/FINAL/ProCp-Project-Core-phase -without some slides.pptx
@@ -15021,7 +15021,7 @@
           <a:lstStyle/>
           <a:p>
             <a:r>
-              <a:rPr lang="en-US"/>
+              <a:rPr lang="en-US" dirty="0"/>
               <a:t> key features</a:t>
             </a:r>
           </a:p>
@@ -15050,52 +15050,57 @@
           <a:lstStyle/>
           <a:p>
             <a:r>
-              <a:rPr lang="en-US">
+              <a:rPr lang="en-US" dirty="0">
                 <a:solidFill>
                   <a:schemeClr val="bg1"/>
                 </a:solidFill>
               </a:rPr>
-              <a:t>Easy to Save simulation</a:t>
+              <a:t>Visualize crop growth</a:t>
             </a:r>
           </a:p>
           <a:p>
             <a:r>
-              <a:rPr lang="en-US">
+              <a:rPr lang="en-US" dirty="0">
                 <a:solidFill>
                   <a:schemeClr val="bg1"/>
                 </a:solidFill>
               </a:rPr>
-              <a:t>Easy to load simulation</a:t>
+              <a:t>Calculate harvesting cost</a:t>
             </a:r>
           </a:p>
           <a:p>
             <a:r>
-              <a:rPr lang="en-US">
+              <a:rPr lang="en-US" dirty="0">
                 <a:solidFill>
                   <a:schemeClr val="bg1"/>
                 </a:solidFill>
               </a:rPr>
-              <a:t>Easy to visualize crop growth</a:t>
+              <a:t>Calculate the profit</a:t>
             </a:r>
+            <a:endParaRPr lang="en-US" dirty="0">
+              <a:solidFill>
+                <a:schemeClr val="bg1"/>
+              </a:solidFill>
+            </a:endParaRPr>
           </a:p>
           <a:p>
             <a:r>
-              <a:rPr lang="en-US">
+              <a:rPr lang="en-US" dirty="0">
                 <a:solidFill>
                   <a:schemeClr val="bg1"/>
                 </a:solidFill>
               </a:rPr>
-              <a:t>Easy to calculate harvesting cost</a:t>
+              <a:t>Save simulation</a:t>
             </a:r>
           </a:p>
           <a:p>
             <a:r>
-              <a:rPr lang="en-US">
+              <a:rPr lang="en-US" dirty="0">
                 <a:solidFill>
                   <a:schemeClr val="bg1"/>
                 </a:solidFill>
               </a:rPr>
-              <a:t>Easy to calculate the profit</a:t>
+              <a:t>load simulation</a:t>
             </a:r>
           </a:p>
         </p:txBody>
